--- a/Docs/Rogue Realm SA Presentation.pptx
+++ b/Docs/Rogue Realm SA Presentation.pptx
@@ -58,6 +58,8 @@
     <p:sldId id="302" r:id="rId53"/>
     <p:sldId id="303" r:id="rId54"/>
     <p:sldId id="304" r:id="rId55"/>
+    <p:sldId id="305" r:id="rId56"/>
+    <p:sldId id="306" r:id="rId57"/>
   </p:sldIdLst>
   <p:sldSz cy="5143500" cx="9144000"/>
   <p:notesSz cx="6858000" cy="9144000"/>
@@ -3526,7 +3528,7 @@
       </p:grpSpPr>
       <p:sp>
         <p:nvSpPr>
-          <p:cNvPr id="521" name="Google Shape;521;g2b9fb83eba1_2_84:notes"/>
+          <p:cNvPr id="521" name="Google Shape;521;g2baea22f263_2_0:notes"/>
           <p:cNvSpPr/>
           <p:nvPr>
             <p:ph idx="2" type="sldImg"/>
@@ -3561,7 +3563,7 @@
       </p:sp>
       <p:sp>
         <p:nvSpPr>
-          <p:cNvPr id="522" name="Google Shape;522;g2b9fb83eba1_2_84:notes"/>
+          <p:cNvPr id="522" name="Google Shape;522;g2baea22f263_2_0:notes"/>
           <p:cNvSpPr txBox="1"/>
           <p:nvPr>
             <p:ph idx="1" type="body"/>
@@ -3625,7 +3627,7 @@
       </p:grpSpPr>
       <p:sp>
         <p:nvSpPr>
-          <p:cNvPr id="528" name="Google Shape;528;g2b9fb83eba1_2_64:notes"/>
+          <p:cNvPr id="528" name="Google Shape;528;g2b9fb83eba1_2_84:notes"/>
           <p:cNvSpPr/>
           <p:nvPr>
             <p:ph idx="2" type="sldImg"/>
@@ -3660,7 +3662,7 @@
       </p:sp>
       <p:sp>
         <p:nvSpPr>
-          <p:cNvPr id="529" name="Google Shape;529;g2b9fb83eba1_2_64:notes"/>
+          <p:cNvPr id="529" name="Google Shape;529;g2b9fb83eba1_2_84:notes"/>
           <p:cNvSpPr txBox="1"/>
           <p:nvPr>
             <p:ph idx="1" type="body"/>
@@ -3724,7 +3726,7 @@
       </p:grpSpPr>
       <p:sp>
         <p:nvSpPr>
-          <p:cNvPr id="535" name="Google Shape;535;g2baad362401_0_0:notes"/>
+          <p:cNvPr id="535" name="Google Shape;535;g2b9fb83eba1_2_64:notes"/>
           <p:cNvSpPr/>
           <p:nvPr>
             <p:ph idx="2" type="sldImg"/>
@@ -3759,7 +3761,7 @@
       </p:sp>
       <p:sp>
         <p:nvSpPr>
-          <p:cNvPr id="536" name="Google Shape;536;g2baad362401_0_0:notes"/>
+          <p:cNvPr id="536" name="Google Shape;536;g2b9fb83eba1_2_64:notes"/>
           <p:cNvSpPr txBox="1"/>
           <p:nvPr>
             <p:ph idx="1" type="body"/>
@@ -3809,7 +3811,7 @@
   <p:cSld>
     <p:spTree>
       <p:nvGrpSpPr>
-        <p:cNvPr id="542" name="Shape 542"/>
+        <p:cNvPr id="541" name="Shape 541"/>
         <p:cNvGrpSpPr/>
         <p:nvPr/>
       </p:nvGrpSpPr>
@@ -3823,7 +3825,7 @@
       </p:grpSpPr>
       <p:sp>
         <p:nvSpPr>
-          <p:cNvPr id="543" name="Google Shape;543;g2baad362401_0_6:notes"/>
+          <p:cNvPr id="542" name="Google Shape;542;g2baad362401_0_0:notes"/>
           <p:cNvSpPr/>
           <p:nvPr>
             <p:ph idx="2" type="sldImg"/>
@@ -3858,7 +3860,7 @@
       </p:sp>
       <p:sp>
         <p:nvSpPr>
-          <p:cNvPr id="544" name="Google Shape;544;g2baad362401_0_6:notes"/>
+          <p:cNvPr id="543" name="Google Shape;543;g2baad362401_0_0:notes"/>
           <p:cNvSpPr txBox="1"/>
           <p:nvPr>
             <p:ph idx="1" type="body"/>
@@ -3908,7 +3910,7 @@
   <p:cSld>
     <p:spTree>
       <p:nvGrpSpPr>
-        <p:cNvPr id="550" name="Shape 550"/>
+        <p:cNvPr id="549" name="Shape 549"/>
         <p:cNvGrpSpPr/>
         <p:nvPr/>
       </p:nvGrpSpPr>
@@ -3922,7 +3924,7 @@
       </p:grpSpPr>
       <p:sp>
         <p:nvSpPr>
-          <p:cNvPr id="551" name="Google Shape;551;g2b9fb83eba1_2_69:notes"/>
+          <p:cNvPr id="550" name="Google Shape;550;g2baad362401_0_6:notes"/>
           <p:cNvSpPr/>
           <p:nvPr>
             <p:ph idx="2" type="sldImg"/>
@@ -3957,7 +3959,7 @@
       </p:sp>
       <p:sp>
         <p:nvSpPr>
-          <p:cNvPr id="552" name="Google Shape;552;g2b9fb83eba1_2_69:notes"/>
+          <p:cNvPr id="551" name="Google Shape;551;g2baad362401_0_6:notes"/>
           <p:cNvSpPr txBox="1"/>
           <p:nvPr>
             <p:ph idx="1" type="body"/>
@@ -4106,7 +4108,7 @@
   <p:cSld>
     <p:spTree>
       <p:nvGrpSpPr>
-        <p:cNvPr id="557" name="Shape 557"/>
+        <p:cNvPr id="558" name="Shape 558"/>
         <p:cNvGrpSpPr/>
         <p:nvPr/>
       </p:nvGrpSpPr>
@@ -4120,7 +4122,7 @@
       </p:grpSpPr>
       <p:sp>
         <p:nvSpPr>
-          <p:cNvPr id="558" name="Google Shape;558;g2bab2c23b7b_0_0:notes"/>
+          <p:cNvPr id="559" name="Google Shape;559;g2b9fb83eba1_2_69:notes"/>
           <p:cNvSpPr/>
           <p:nvPr>
             <p:ph idx="2" type="sldImg"/>
@@ -4155,7 +4157,7 @@
       </p:sp>
       <p:sp>
         <p:nvSpPr>
-          <p:cNvPr id="559" name="Google Shape;559;g2bab2c23b7b_0_0:notes"/>
+          <p:cNvPr id="560" name="Google Shape;560;g2b9fb83eba1_2_69:notes"/>
           <p:cNvSpPr txBox="1"/>
           <p:nvPr>
             <p:ph idx="1" type="body"/>
@@ -4205,7 +4207,7 @@
   <p:cSld>
     <p:spTree>
       <p:nvGrpSpPr>
-        <p:cNvPr id="563" name="Shape 563"/>
+        <p:cNvPr id="565" name="Shape 565"/>
         <p:cNvGrpSpPr/>
         <p:nvPr/>
       </p:nvGrpSpPr>
@@ -4219,7 +4221,7 @@
       </p:grpSpPr>
       <p:sp>
         <p:nvSpPr>
-          <p:cNvPr id="564" name="Google Shape;564;g2bab2c23b7b_0_6:notes"/>
+          <p:cNvPr id="566" name="Google Shape;566;g2baea22f263_5_0:notes"/>
           <p:cNvSpPr/>
           <p:nvPr>
             <p:ph idx="2" type="sldImg"/>
@@ -4254,7 +4256,7 @@
       </p:sp>
       <p:sp>
         <p:nvSpPr>
-          <p:cNvPr id="565" name="Google Shape;565;g2bab2c23b7b_0_6:notes"/>
+          <p:cNvPr id="567" name="Google Shape;567;g2baea22f263_5_0:notes"/>
           <p:cNvSpPr txBox="1"/>
           <p:nvPr>
             <p:ph idx="1" type="body"/>
@@ -4304,7 +4306,7 @@
   <p:cSld>
     <p:spTree>
       <p:nvGrpSpPr>
-        <p:cNvPr id="569" name="Shape 569"/>
+        <p:cNvPr id="571" name="Shape 571"/>
         <p:cNvGrpSpPr/>
         <p:nvPr/>
       </p:nvGrpSpPr>
@@ -4318,7 +4320,7 @@
       </p:grpSpPr>
       <p:sp>
         <p:nvSpPr>
-          <p:cNvPr id="570" name="Google Shape;570;g2b9fb83eba1_2_74:notes"/>
+          <p:cNvPr id="572" name="Google Shape;572;g2bab2c23b7b_0_0:notes"/>
           <p:cNvSpPr/>
           <p:nvPr>
             <p:ph idx="2" type="sldImg"/>
@@ -4353,7 +4355,7 @@
       </p:sp>
       <p:sp>
         <p:nvSpPr>
-          <p:cNvPr id="571" name="Google Shape;571;g2b9fb83eba1_2_74:notes"/>
+          <p:cNvPr id="573" name="Google Shape;573;g2bab2c23b7b_0_0:notes"/>
           <p:cNvSpPr txBox="1"/>
           <p:nvPr>
             <p:ph idx="1" type="body"/>
@@ -4417,7 +4419,7 @@
       </p:grpSpPr>
       <p:sp>
         <p:nvSpPr>
-          <p:cNvPr id="578" name="Google Shape;578;g2698f8c346a_0_0:notes"/>
+          <p:cNvPr id="578" name="Google Shape;578;g2bab2c23b7b_0_6:notes"/>
           <p:cNvSpPr/>
           <p:nvPr>
             <p:ph idx="2" type="sldImg"/>
@@ -4452,7 +4454,7 @@
       </p:sp>
       <p:sp>
         <p:nvSpPr>
-          <p:cNvPr id="579" name="Google Shape;579;g2698f8c346a_0_0:notes"/>
+          <p:cNvPr id="579" name="Google Shape;579;g2bab2c23b7b_0_6:notes"/>
           <p:cNvSpPr txBox="1"/>
           <p:nvPr>
             <p:ph idx="1" type="body"/>
@@ -4502,7 +4504,7 @@
   <p:cSld>
     <p:spTree>
       <p:nvGrpSpPr>
-        <p:cNvPr id="585" name="Shape 585"/>
+        <p:cNvPr id="583" name="Shape 583"/>
         <p:cNvGrpSpPr/>
         <p:nvPr/>
       </p:nvGrpSpPr>
@@ -4516,7 +4518,7 @@
       </p:grpSpPr>
       <p:sp>
         <p:nvSpPr>
-          <p:cNvPr id="586" name="Google Shape;586;g2698f8c346a_0_6:notes"/>
+          <p:cNvPr id="584" name="Google Shape;584;g2b9fb83eba1_2_74:notes"/>
           <p:cNvSpPr/>
           <p:nvPr>
             <p:ph idx="2" type="sldImg"/>
@@ -4551,7 +4553,7 @@
       </p:sp>
       <p:sp>
         <p:nvSpPr>
-          <p:cNvPr id="587" name="Google Shape;587;g2698f8c346a_0_6:notes"/>
+          <p:cNvPr id="585" name="Google Shape;585;g2b9fb83eba1_2_74:notes"/>
           <p:cNvSpPr txBox="1"/>
           <p:nvPr>
             <p:ph idx="1" type="body"/>
@@ -4601,7 +4603,7 @@
   <p:cSld>
     <p:spTree>
       <p:nvGrpSpPr>
-        <p:cNvPr id="593" name="Shape 593"/>
+        <p:cNvPr id="592" name="Shape 592"/>
         <p:cNvGrpSpPr/>
         <p:nvPr/>
       </p:nvGrpSpPr>
@@ -4615,7 +4617,7 @@
       </p:grpSpPr>
       <p:sp>
         <p:nvSpPr>
-          <p:cNvPr id="594" name="Google Shape;594;g2698f8c346a_0_56:notes"/>
+          <p:cNvPr id="593" name="Google Shape;593;g2698f8c346a_0_0:notes"/>
           <p:cNvSpPr/>
           <p:nvPr>
             <p:ph idx="2" type="sldImg"/>
@@ -4650,7 +4652,7 @@
       </p:sp>
       <p:sp>
         <p:nvSpPr>
-          <p:cNvPr id="595" name="Google Shape;595;g2698f8c346a_0_56:notes"/>
+          <p:cNvPr id="594" name="Google Shape;594;g2698f8c346a_0_0:notes"/>
           <p:cNvSpPr txBox="1"/>
           <p:nvPr>
             <p:ph idx="1" type="body"/>
@@ -4714,7 +4716,7 @@
       </p:grpSpPr>
       <p:sp>
         <p:nvSpPr>
-          <p:cNvPr id="602" name="Google Shape;602;g2697bbcf245_2_8:notes"/>
+          <p:cNvPr id="602" name="Google Shape;602;g2698f8c346a_0_6:notes"/>
           <p:cNvSpPr/>
           <p:nvPr>
             <p:ph idx="2" type="sldImg"/>
@@ -4749,7 +4751,7 @@
       </p:sp>
       <p:sp>
         <p:nvSpPr>
-          <p:cNvPr id="603" name="Google Shape;603;g2697bbcf245_2_8:notes"/>
+          <p:cNvPr id="603" name="Google Shape;603;g2698f8c346a_0_6:notes"/>
           <p:cNvSpPr txBox="1"/>
           <p:nvPr>
             <p:ph idx="1" type="body"/>
@@ -4799,7 +4801,7 @@
   <p:cSld>
     <p:spTree>
       <p:nvGrpSpPr>
-        <p:cNvPr id="607" name="Shape 607"/>
+        <p:cNvPr id="610" name="Shape 610"/>
         <p:cNvGrpSpPr/>
         <p:nvPr/>
       </p:nvGrpSpPr>
@@ -4813,7 +4815,7 @@
       </p:grpSpPr>
       <p:sp>
         <p:nvSpPr>
-          <p:cNvPr id="608" name="Google Shape;608;g2b9fb83eba1_2_79:notes"/>
+          <p:cNvPr id="611" name="Google Shape;611;g2698f8c346a_0_56:notes"/>
           <p:cNvSpPr/>
           <p:nvPr>
             <p:ph idx="2" type="sldImg"/>
@@ -4848,7 +4850,7 @@
       </p:sp>
       <p:sp>
         <p:nvSpPr>
-          <p:cNvPr id="609" name="Google Shape;609;g2b9fb83eba1_2_79:notes"/>
+          <p:cNvPr id="612" name="Google Shape;612;g2698f8c346a_0_56:notes"/>
           <p:cNvSpPr txBox="1"/>
           <p:nvPr>
             <p:ph idx="1" type="body"/>
@@ -4898,7 +4900,7 @@
   <p:cSld>
     <p:spTree>
       <p:nvGrpSpPr>
-        <p:cNvPr id="616" name="Shape 616"/>
+        <p:cNvPr id="619" name="Shape 619"/>
         <p:cNvGrpSpPr/>
         <p:nvPr/>
       </p:nvGrpSpPr>
@@ -4912,7 +4914,7 @@
       </p:grpSpPr>
       <p:sp>
         <p:nvSpPr>
-          <p:cNvPr id="617" name="Google Shape;617;g2697bbcf245_2_1:notes"/>
+          <p:cNvPr id="620" name="Google Shape;620;g2697bbcf245_2_8:notes"/>
           <p:cNvSpPr/>
           <p:nvPr>
             <p:ph idx="2" type="sldImg"/>
@@ -4947,7 +4949,7 @@
       </p:sp>
       <p:sp>
         <p:nvSpPr>
-          <p:cNvPr id="618" name="Google Shape;618;g2697bbcf245_2_1:notes"/>
+          <p:cNvPr id="621" name="Google Shape;621;g2697bbcf245_2_8:notes"/>
           <p:cNvSpPr txBox="1"/>
           <p:nvPr>
             <p:ph idx="1" type="body"/>
@@ -4997,7 +4999,7 @@
   <p:cSld>
     <p:spTree>
       <p:nvGrpSpPr>
-        <p:cNvPr id="624" name="Shape 624"/>
+        <p:cNvPr id="625" name="Shape 625"/>
         <p:cNvGrpSpPr/>
         <p:nvPr/>
       </p:nvGrpSpPr>
@@ -5011,7 +5013,7 @@
       </p:grpSpPr>
       <p:sp>
         <p:nvSpPr>
-          <p:cNvPr id="625" name="Google Shape;625;g2bab5a23082_0_0:notes"/>
+          <p:cNvPr id="626" name="Google Shape;626;g2b9fb83eba1_2_79:notes"/>
           <p:cNvSpPr/>
           <p:nvPr>
             <p:ph idx="2" type="sldImg"/>
@@ -5046,7 +5048,7 @@
       </p:sp>
       <p:sp>
         <p:nvSpPr>
-          <p:cNvPr id="626" name="Google Shape;626;g2bab5a23082_0_0:notes"/>
+          <p:cNvPr id="627" name="Google Shape;627;g2b9fb83eba1_2_79:notes"/>
           <p:cNvSpPr txBox="1"/>
           <p:nvPr>
             <p:ph idx="1" type="body"/>
@@ -5181,6 +5183,204 @@
             </a:pathLst>
           </a:custGeom>
         </p:spPr>
+      </p:sp>
+    </p:spTree>
+  </p:cSld>
+  <p:clrMapOvr>
+    <a:masterClrMapping/>
+  </p:clrMapOvr>
+</p:notes>
+</file>
+
+<file path=ppt/notesSlides/notesSlide50.xml><?xml version="1.0" encoding="utf-8"?>
+<p:notes xmlns:a="http://schemas.openxmlformats.org/drawingml/2006/main" xmlns:r="http://schemas.openxmlformats.org/officeDocument/2006/relationships" xmlns:mc="http://schemas.openxmlformats.org/markup-compatibility/2006" xmlns:mv="urn:schemas-microsoft-com:mac:vml" xmlns:p="http://schemas.openxmlformats.org/presentationml/2006/main" xmlns:c="http://schemas.openxmlformats.org/drawingml/2006/chart" xmlns:dgm="http://schemas.openxmlformats.org/drawingml/2006/diagram" xmlns:o="urn:schemas-microsoft-com:office:office" xmlns:v="urn:schemas-microsoft-com:vml" xmlns:pvml="urn:schemas-microsoft-com:office:powerpoint" xmlns:com="http://schemas.openxmlformats.org/drawingml/2006/compatibility" xmlns:p14="http://schemas.microsoft.com/office/powerpoint/2010/main" xmlns:p15="http://schemas.microsoft.com/office/powerpoint/2012/main" xmlns:ahyp="http://schemas.microsoft.com/office/drawing/2018/hyperlinkcolor" showMasterPhAnim="0" showMasterSp="0">
+  <p:cSld>
+    <p:spTree>
+      <p:nvGrpSpPr>
+        <p:cNvPr id="633" name="Shape 633"/>
+        <p:cNvGrpSpPr/>
+        <p:nvPr/>
+      </p:nvGrpSpPr>
+      <p:grpSpPr>
+        <a:xfrm>
+          <a:off x="0" y="0"/>
+          <a:ext cx="0" cy="0"/>
+          <a:chOff x="0" y="0"/>
+          <a:chExt cx="0" cy="0"/>
+        </a:xfrm>
+      </p:grpSpPr>
+      <p:sp>
+        <p:nvSpPr>
+          <p:cNvPr id="634" name="Google Shape;634;g2697bbcf245_2_1:notes"/>
+          <p:cNvSpPr/>
+          <p:nvPr>
+            <p:ph idx="2" type="sldImg"/>
+          </p:nvPr>
+        </p:nvSpPr>
+        <p:spPr>
+          <a:xfrm>
+            <a:off x="381300" y="685800"/>
+            <a:ext cx="6096000" cy="3429000"/>
+          </a:xfrm>
+          <a:custGeom>
+            <a:rect b="b" l="l" r="r" t="t"/>
+            <a:pathLst>
+              <a:path extrusionOk="0" h="120000" w="120000">
+                <a:moveTo>
+                  <a:pt x="0" y="0"/>
+                </a:moveTo>
+                <a:lnTo>
+                  <a:pt x="120000" y="0"/>
+                </a:lnTo>
+                <a:lnTo>
+                  <a:pt x="120000" y="120000"/>
+                </a:lnTo>
+                <a:lnTo>
+                  <a:pt x="0" y="120000"/>
+                </a:lnTo>
+                <a:close/>
+              </a:path>
+            </a:pathLst>
+          </a:custGeom>
+        </p:spPr>
+      </p:sp>
+      <p:sp>
+        <p:nvSpPr>
+          <p:cNvPr id="635" name="Google Shape;635;g2697bbcf245_2_1:notes"/>
+          <p:cNvSpPr txBox="1"/>
+          <p:nvPr>
+            <p:ph idx="1" type="body"/>
+          </p:nvPr>
+        </p:nvSpPr>
+        <p:spPr>
+          <a:xfrm>
+            <a:off x="685800" y="4343400"/>
+            <a:ext cx="5486400" cy="4114800"/>
+          </a:xfrm>
+          <a:prstGeom prst="rect">
+            <a:avLst/>
+          </a:prstGeom>
+        </p:spPr>
+        <p:txBody>
+          <a:bodyPr anchorCtr="0" anchor="t" bIns="91425" lIns="91425" spcFirstLastPara="1" rIns="91425" wrap="square" tIns="91425">
+            <a:noAutofit/>
+          </a:bodyPr>
+          <a:lstStyle/>
+          <a:p>
+            <a:pPr indent="0" lvl="0" marL="0" rtl="0" algn="l">
+              <a:spcBef>
+                <a:spcPts val="0"/>
+              </a:spcBef>
+              <a:spcAft>
+                <a:spcPts val="0"/>
+              </a:spcAft>
+              <a:buNone/>
+            </a:pPr>
+            <a:r>
+              <a:t/>
+            </a:r>
+            <a:endParaRPr/>
+          </a:p>
+        </p:txBody>
+      </p:sp>
+    </p:spTree>
+  </p:cSld>
+  <p:clrMapOvr>
+    <a:masterClrMapping/>
+  </p:clrMapOvr>
+</p:notes>
+</file>
+
+<file path=ppt/notesSlides/notesSlide51.xml><?xml version="1.0" encoding="utf-8"?>
+<p:notes xmlns:a="http://schemas.openxmlformats.org/drawingml/2006/main" xmlns:r="http://schemas.openxmlformats.org/officeDocument/2006/relationships" xmlns:mc="http://schemas.openxmlformats.org/markup-compatibility/2006" xmlns:mv="urn:schemas-microsoft-com:mac:vml" xmlns:p="http://schemas.openxmlformats.org/presentationml/2006/main" xmlns:c="http://schemas.openxmlformats.org/drawingml/2006/chart" xmlns:dgm="http://schemas.openxmlformats.org/drawingml/2006/diagram" xmlns:o="urn:schemas-microsoft-com:office:office" xmlns:v="urn:schemas-microsoft-com:vml" xmlns:pvml="urn:schemas-microsoft-com:office:powerpoint" xmlns:com="http://schemas.openxmlformats.org/drawingml/2006/compatibility" xmlns:p14="http://schemas.microsoft.com/office/powerpoint/2010/main" xmlns:p15="http://schemas.microsoft.com/office/powerpoint/2012/main" xmlns:ahyp="http://schemas.microsoft.com/office/drawing/2018/hyperlinkcolor" showMasterPhAnim="0" showMasterSp="0">
+  <p:cSld>
+    <p:spTree>
+      <p:nvGrpSpPr>
+        <p:cNvPr id="641" name="Shape 641"/>
+        <p:cNvGrpSpPr/>
+        <p:nvPr/>
+      </p:nvGrpSpPr>
+      <p:grpSpPr>
+        <a:xfrm>
+          <a:off x="0" y="0"/>
+          <a:ext cx="0" cy="0"/>
+          <a:chOff x="0" y="0"/>
+          <a:chExt cx="0" cy="0"/>
+        </a:xfrm>
+      </p:grpSpPr>
+      <p:sp>
+        <p:nvSpPr>
+          <p:cNvPr id="642" name="Google Shape;642;g2bab5a23082_0_0:notes"/>
+          <p:cNvSpPr/>
+          <p:nvPr>
+            <p:ph idx="2" type="sldImg"/>
+          </p:nvPr>
+        </p:nvSpPr>
+        <p:spPr>
+          <a:xfrm>
+            <a:off x="381300" y="685800"/>
+            <a:ext cx="6096000" cy="3429000"/>
+          </a:xfrm>
+          <a:custGeom>
+            <a:rect b="b" l="l" r="r" t="t"/>
+            <a:pathLst>
+              <a:path extrusionOk="0" h="120000" w="120000">
+                <a:moveTo>
+                  <a:pt x="0" y="0"/>
+                </a:moveTo>
+                <a:lnTo>
+                  <a:pt x="120000" y="0"/>
+                </a:lnTo>
+                <a:lnTo>
+                  <a:pt x="120000" y="120000"/>
+                </a:lnTo>
+                <a:lnTo>
+                  <a:pt x="0" y="120000"/>
+                </a:lnTo>
+                <a:close/>
+              </a:path>
+            </a:pathLst>
+          </a:custGeom>
+        </p:spPr>
+      </p:sp>
+      <p:sp>
+        <p:nvSpPr>
+          <p:cNvPr id="643" name="Google Shape;643;g2bab5a23082_0_0:notes"/>
+          <p:cNvSpPr txBox="1"/>
+          <p:nvPr>
+            <p:ph idx="1" type="body"/>
+          </p:nvPr>
+        </p:nvSpPr>
+        <p:spPr>
+          <a:xfrm>
+            <a:off x="685800" y="4343400"/>
+            <a:ext cx="5486400" cy="4114800"/>
+          </a:xfrm>
+          <a:prstGeom prst="rect">
+            <a:avLst/>
+          </a:prstGeom>
+        </p:spPr>
+        <p:txBody>
+          <a:bodyPr anchorCtr="0" anchor="t" bIns="91425" lIns="91425" spcFirstLastPara="1" rIns="91425" wrap="square" tIns="91425">
+            <a:noAutofit/>
+          </a:bodyPr>
+          <a:lstStyle/>
+          <a:p>
+            <a:pPr indent="0" lvl="0" marL="0" rtl="0" algn="l">
+              <a:spcBef>
+                <a:spcPts val="0"/>
+              </a:spcBef>
+              <a:spcAft>
+                <a:spcPts val="0"/>
+              </a:spcAft>
+              <a:buNone/>
+            </a:pPr>
+            <a:r>
+              <a:t/>
+            </a:r>
+            <a:endParaRPr/>
+          </a:p>
+        </p:txBody>
       </p:sp>
     </p:spTree>
   </p:cSld>
@@ -27539,7 +27739,7 @@
             </a:pPr>
             <a:r>
               <a:rPr lang="en-GB"/>
-              <a:t>Lacey</a:t>
+              <a:t>Lacey - TL2</a:t>
             </a:r>
             <a:endParaRPr/>
           </a:p>
@@ -27613,7 +27813,7 @@
             </a:pPr>
             <a:r>
               <a:rPr lang="en-GB"/>
-              <a:t>Player movement</a:t>
+              <a:t>Player movement and animation</a:t>
             </a:r>
             <a:endParaRPr/>
           </a:p>
@@ -27677,7 +27877,7 @@
             </a:pPr>
             <a:r>
               <a:rPr lang="en-GB"/>
-              <a:t>Complexity: Medium</a:t>
+              <a:t>Complexity: Low (menus)/Medium (player)</a:t>
             </a:r>
             <a:endParaRPr/>
           </a:p>
@@ -27917,7 +28117,7 @@
             </a:pPr>
             <a:r>
               <a:rPr lang="en-GB"/>
-              <a:t>Lacey </a:t>
+              <a:t>Lacey</a:t>
             </a:r>
             <a:endParaRPr/>
           </a:p>
@@ -27939,8 +28139,8 @@
         </p:blipFill>
         <p:spPr>
           <a:xfrm>
-            <a:off x="1415013" y="502025"/>
-            <a:ext cx="6313984" cy="4336675"/>
+            <a:off x="1773900" y="244700"/>
+            <a:ext cx="5432800" cy="4654125"/>
           </a:xfrm>
           <a:prstGeom prst="rect">
             <a:avLst/>
@@ -28038,166 +28238,7 @@
             </a:pPr>
             <a:r>
               <a:rPr lang="en-GB"/>
-              <a:t>Jacob - Level Generation</a:t>
-            </a:r>
-            <a:r>
-              <a:rPr lang="en-GB"/>
-              <a:t> </a:t>
-            </a:r>
-            <a:endParaRPr/>
-          </a:p>
-        </p:txBody>
-      </p:sp>
-      <p:sp>
-        <p:nvSpPr>
-          <p:cNvPr id="532" name="Google Shape;532;p61"/>
-          <p:cNvSpPr txBox="1"/>
-          <p:nvPr>
-            <p:ph idx="1" type="body"/>
-          </p:nvPr>
-        </p:nvSpPr>
-        <p:spPr>
-          <a:xfrm>
-            <a:off x="311700" y="1152475"/>
-            <a:ext cx="8520600" cy="3416400"/>
-          </a:xfrm>
-          <a:prstGeom prst="rect">
-            <a:avLst/>
-          </a:prstGeom>
-        </p:spPr>
-        <p:txBody>
-          <a:bodyPr anchorCtr="0" anchor="t" bIns="91425" lIns="91425" spcFirstLastPara="1" rIns="91425" wrap="square" tIns="91425">
-            <a:normAutofit/>
-          </a:bodyPr>
-          <a:lstStyle/>
-          <a:p>
-            <a:pPr indent="0" lvl="0" marL="0" rtl="0" algn="l">
-              <a:spcBef>
-                <a:spcPts val="0"/>
-              </a:spcBef>
-              <a:spcAft>
-                <a:spcPts val="0"/>
-              </a:spcAft>
-              <a:buNone/>
-            </a:pPr>
-            <a:r>
-              <a:rPr lang="en-GB"/>
-              <a:t>Main features:</a:t>
-            </a:r>
-            <a:endParaRPr/>
-          </a:p>
-          <a:p>
-            <a:pPr indent="-342900" lvl="0" marL="457200" rtl="0" algn="l">
-              <a:spcBef>
-                <a:spcPts val="1200"/>
-              </a:spcBef>
-              <a:spcAft>
-                <a:spcPts val="0"/>
-              </a:spcAft>
-              <a:buSzPts val="1800"/>
-              <a:buChar char="-"/>
-            </a:pPr>
-            <a:r>
-              <a:rPr lang="en-GB"/>
-              <a:t>Randomly generated</a:t>
-            </a:r>
-            <a:endParaRPr/>
-          </a:p>
-          <a:p>
-            <a:pPr indent="-342900" lvl="0" marL="457200" rtl="0" algn="l">
-              <a:spcBef>
-                <a:spcPts val="0"/>
-              </a:spcBef>
-              <a:spcAft>
-                <a:spcPts val="0"/>
-              </a:spcAft>
-              <a:buSzPts val="1800"/>
-              <a:buChar char="-"/>
-            </a:pPr>
-            <a:r>
-              <a:rPr lang="en-GB"/>
-              <a:t>Unique to each playthrough</a:t>
-            </a:r>
-            <a:endParaRPr/>
-          </a:p>
-          <a:p>
-            <a:pPr indent="-342900" lvl="0" marL="457200" rtl="0" algn="l">
-              <a:spcBef>
-                <a:spcPts val="0"/>
-              </a:spcBef>
-              <a:spcAft>
-                <a:spcPts val="0"/>
-              </a:spcAft>
-              <a:buSzPts val="1800"/>
-              <a:buChar char="-"/>
-            </a:pPr>
-            <a:r>
-              <a:rPr lang="en-GB"/>
-              <a:t>Contains branching paths of rooms with items and enemies</a:t>
-            </a:r>
-            <a:endParaRPr/>
-          </a:p>
-          <a:p>
-            <a:pPr indent="-342900" lvl="0" marL="457200" rtl="0" algn="l">
-              <a:spcBef>
-                <a:spcPts val="0"/>
-              </a:spcBef>
-              <a:spcAft>
-                <a:spcPts val="0"/>
-              </a:spcAft>
-              <a:buSzPts val="1800"/>
-              <a:buChar char="-"/>
-            </a:pPr>
-            <a:r>
-              <a:rPr lang="en-GB"/>
-              <a:t>A final boss room at the end</a:t>
-            </a:r>
-            <a:endParaRPr/>
-          </a:p>
-          <a:p>
-            <a:pPr indent="0" lvl="0" marL="0" rtl="0" algn="l">
-              <a:spcBef>
-                <a:spcPts val="1200"/>
-              </a:spcBef>
-              <a:spcAft>
-                <a:spcPts val="0"/>
-              </a:spcAft>
-              <a:buNone/>
-            </a:pPr>
-            <a:r>
-              <a:t/>
-            </a:r>
-            <a:endParaRPr/>
-          </a:p>
-          <a:p>
-            <a:pPr indent="0" lvl="0" marL="0" rtl="0" algn="l">
-              <a:spcBef>
-                <a:spcPts val="1200"/>
-              </a:spcBef>
-              <a:spcAft>
-                <a:spcPts val="0"/>
-              </a:spcAft>
-              <a:buNone/>
-            </a:pPr>
-            <a:r>
-              <a:rPr lang="en-GB"/>
-              <a:t>Priority: Essential</a:t>
-            </a:r>
-            <a:endParaRPr/>
-          </a:p>
-          <a:p>
-            <a:pPr indent="0" lvl="0" marL="0" rtl="0" algn="l">
-              <a:spcBef>
-                <a:spcPts val="1200"/>
-              </a:spcBef>
-              <a:spcAft>
-                <a:spcPts val="1200"/>
-              </a:spcAft>
-              <a:buNone/>
-            </a:pPr>
-            <a:r>
-              <a:rPr lang="en-GB"/>
-              <a:t>Complexity: Medium</a:t>
+              <a:t>Lacey </a:t>
             </a:r>
             <a:endParaRPr/>
           </a:p>
@@ -28205,12 +28246,40 @@
       </p:sp>
       <p:pic>
         <p:nvPicPr>
+          <p:cNvPr id="532" name="Google Shape;532;p61"/>
+          <p:cNvPicPr preferRelativeResize="0"/>
+          <p:nvPr/>
+        </p:nvPicPr>
+        <p:blipFill>
+          <a:blip r:embed="rId3">
+            <a:alphaModFix/>
+          </a:blip>
+          <a:stretch>
+            <a:fillRect/>
+          </a:stretch>
+        </p:blipFill>
+        <p:spPr>
+          <a:xfrm>
+            <a:off x="1415013" y="502025"/>
+            <a:ext cx="6313984" cy="4336675"/>
+          </a:xfrm>
+          <a:prstGeom prst="rect">
+            <a:avLst/>
+          </a:prstGeom>
+          <a:noFill/>
+          <a:ln>
+            <a:noFill/>
+          </a:ln>
+        </p:spPr>
+      </p:pic>
+      <p:pic>
+        <p:nvPicPr>
           <p:cNvPr id="533" name="Google Shape;533;p61"/>
           <p:cNvPicPr preferRelativeResize="0"/>
           <p:nvPr/>
         </p:nvPicPr>
         <p:blipFill>
-          <a:blip r:embed="rId3">
+          <a:blip r:embed="rId4">
             <a:alphaModFix/>
           </a:blip>
           <a:stretch>
@@ -28290,7 +28359,11 @@
             </a:pPr>
             <a:r>
               <a:rPr lang="en-GB"/>
-              <a:t>Jacob - Level Generation </a:t>
+              <a:t>Jacob - Level Generation</a:t>
+            </a:r>
+            <a:r>
+              <a:rPr lang="en-GB"/>
+              <a:t> </a:t>
             </a:r>
             <a:endParaRPr/>
           </a:p>
@@ -28307,7 +28380,7 @@
         <p:spPr>
           <a:xfrm>
             <a:off x="311700" y="1152475"/>
-            <a:ext cx="5470800" cy="3416400"/>
+            <a:ext cx="8520600" cy="3416400"/>
           </a:xfrm>
           <a:prstGeom prst="rect">
             <a:avLst/>
@@ -28330,7 +28403,7 @@
             </a:pPr>
             <a:r>
               <a:rPr lang="en-GB"/>
-              <a:t>Levels:</a:t>
+              <a:t>Main features:</a:t>
             </a:r>
             <a:endParaRPr/>
           </a:p>
@@ -28347,7 +28420,7 @@
             </a:pPr>
             <a:r>
               <a:rPr lang="en-GB"/>
-              <a:t>Normal Rooms</a:t>
+              <a:t>Randomly generated</a:t>
             </a:r>
             <a:endParaRPr/>
           </a:p>
@@ -28364,7 +28437,41 @@
             </a:pPr>
             <a:r>
               <a:rPr lang="en-GB"/>
-              <a:t>Boss Rooms</a:t>
+              <a:t>Unique to each playthrough</a:t>
+            </a:r>
+            <a:endParaRPr/>
+          </a:p>
+          <a:p>
+            <a:pPr indent="-342900" lvl="0" marL="457200" rtl="0" algn="l">
+              <a:spcBef>
+                <a:spcPts val="0"/>
+              </a:spcBef>
+              <a:spcAft>
+                <a:spcPts val="0"/>
+              </a:spcAft>
+              <a:buSzPts val="1800"/>
+              <a:buChar char="-"/>
+            </a:pPr>
+            <a:r>
+              <a:rPr lang="en-GB"/>
+              <a:t>Contains branching paths of rooms with items and enemies</a:t>
+            </a:r>
+            <a:endParaRPr/>
+          </a:p>
+          <a:p>
+            <a:pPr indent="-342900" lvl="0" marL="457200" rtl="0" algn="l">
+              <a:spcBef>
+                <a:spcPts val="0"/>
+              </a:spcBef>
+              <a:spcAft>
+                <a:spcPts val="0"/>
+              </a:spcAft>
+              <a:buSzPts val="1800"/>
+              <a:buChar char="-"/>
+            </a:pPr>
+            <a:r>
+              <a:rPr lang="en-GB"/>
+              <a:t>A final boss room at the end</a:t>
             </a:r>
             <a:endParaRPr/>
           </a:p>
@@ -28395,41 +28502,23 @@
             </a:pPr>
             <a:r>
               <a:rPr lang="en-GB"/>
-              <a:t>Rooms:</a:t>
+              <a:t>Priority: Essential</a:t>
             </a:r>
             <a:endParaRPr/>
           </a:p>
           <a:p>
-            <a:pPr indent="-342900" lvl="0" marL="457200" rtl="0" algn="l">
+            <a:pPr indent="0" lvl="0" marL="0" rtl="0" algn="l">
               <a:spcBef>
                 <a:spcPts val="1200"/>
               </a:spcBef>
               <a:spcAft>
-                <a:spcPts val="0"/>
-              </a:spcAft>
-              <a:buSzPts val="1800"/>
-              <a:buChar char="-"/>
+                <a:spcPts val="1200"/>
+              </a:spcAft>
+              <a:buNone/>
             </a:pPr>
             <a:r>
               <a:rPr lang="en-GB"/>
-              <a:t>Up to four doors</a:t>
-            </a:r>
-            <a:endParaRPr/>
-          </a:p>
-          <a:p>
-            <a:pPr indent="-342900" lvl="0" marL="457200" rtl="0" algn="l">
-              <a:spcBef>
-                <a:spcPts val="0"/>
-              </a:spcBef>
-              <a:spcAft>
-                <a:spcPts val="0"/>
-              </a:spcAft>
-              <a:buSzPts val="1800"/>
-              <a:buChar char="-"/>
-            </a:pPr>
-            <a:r>
-              <a:rPr lang="en-GB"/>
-              <a:t>Filled with items and enemies generated for each level.</a:t>
+              <a:t>Complexity: Medium</a:t>
             </a:r>
             <a:endParaRPr/>
           </a:p>
@@ -28463,34 +28552,6 @@
           </a:ln>
         </p:spPr>
       </p:pic>
-      <p:pic>
-        <p:nvPicPr>
-          <p:cNvPr id="541" name="Google Shape;541;p62"/>
-          <p:cNvPicPr preferRelativeResize="0"/>
-          <p:nvPr/>
-        </p:nvPicPr>
-        <p:blipFill>
-          <a:blip r:embed="rId4">
-            <a:alphaModFix/>
-          </a:blip>
-          <a:stretch>
-            <a:fillRect/>
-          </a:stretch>
-        </p:blipFill>
-        <p:spPr>
-          <a:xfrm>
-            <a:off x="6060539" y="0"/>
-            <a:ext cx="2381511" cy="5143500"/>
-          </a:xfrm>
-          <a:prstGeom prst="rect">
-            <a:avLst/>
-          </a:prstGeom>
-          <a:noFill/>
-          <a:ln>
-            <a:noFill/>
-          </a:ln>
-        </p:spPr>
-      </p:pic>
     </p:spTree>
   </p:cSld>
   <p:clrMapOvr>
@@ -28504,7 +28565,7 @@
   <p:cSld>
     <p:spTree>
       <p:nvGrpSpPr>
-        <p:cNvPr id="545" name="Shape 545"/>
+        <p:cNvPr id="544" name="Shape 544"/>
         <p:cNvGrpSpPr/>
         <p:nvPr/>
       </p:nvGrpSpPr>
@@ -28518,7 +28579,7 @@
       </p:grpSpPr>
       <p:sp>
         <p:nvSpPr>
-          <p:cNvPr id="546" name="Google Shape;546;p63"/>
+          <p:cNvPr id="545" name="Google Shape;545;p63"/>
           <p:cNvSpPr txBox="1"/>
           <p:nvPr>
             <p:ph type="title"/>
@@ -28558,7 +28619,7 @@
       </p:sp>
       <p:sp>
         <p:nvSpPr>
-          <p:cNvPr id="547" name="Google Shape;547;p63"/>
+          <p:cNvPr id="546" name="Google Shape;546;p63"/>
           <p:cNvSpPr txBox="1"/>
           <p:nvPr>
             <p:ph idx="1" type="body"/>
@@ -28567,7 +28628,7 @@
         <p:spPr>
           <a:xfrm>
             <a:off x="311700" y="1152475"/>
-            <a:ext cx="2915100" cy="3416400"/>
+            <a:ext cx="5470800" cy="3416400"/>
           </a:xfrm>
           <a:prstGeom prst="rect">
             <a:avLst/>
@@ -28584,12 +28645,112 @@
                 <a:spcPts val="0"/>
               </a:spcBef>
               <a:spcAft>
+                <a:spcPts val="0"/>
+              </a:spcAft>
+              <a:buNone/>
+            </a:pPr>
+            <a:r>
+              <a:rPr lang="en-GB"/>
+              <a:t>Levels:</a:t>
+            </a:r>
+            <a:endParaRPr/>
+          </a:p>
+          <a:p>
+            <a:pPr indent="-342900" lvl="0" marL="457200" rtl="0" algn="l">
+              <a:spcBef>
                 <a:spcPts val="1200"/>
+              </a:spcBef>
+              <a:spcAft>
+                <a:spcPts val="0"/>
+              </a:spcAft>
+              <a:buSzPts val="1800"/>
+              <a:buChar char="-"/>
+            </a:pPr>
+            <a:r>
+              <a:rPr lang="en-GB"/>
+              <a:t>Normal Rooms</a:t>
+            </a:r>
+            <a:endParaRPr/>
+          </a:p>
+          <a:p>
+            <a:pPr indent="-342900" lvl="0" marL="457200" rtl="0" algn="l">
+              <a:spcBef>
+                <a:spcPts val="0"/>
+              </a:spcBef>
+              <a:spcAft>
+                <a:spcPts val="0"/>
+              </a:spcAft>
+              <a:buSzPts val="1800"/>
+              <a:buChar char="-"/>
+            </a:pPr>
+            <a:r>
+              <a:rPr lang="en-GB"/>
+              <a:t>Boss Rooms</a:t>
+            </a:r>
+            <a:endParaRPr/>
+          </a:p>
+          <a:p>
+            <a:pPr indent="0" lvl="0" marL="0" rtl="0" algn="l">
+              <a:spcBef>
+                <a:spcPts val="1200"/>
+              </a:spcBef>
+              <a:spcAft>
+                <a:spcPts val="0"/>
               </a:spcAft>
               <a:buNone/>
             </a:pPr>
             <a:r>
               <a:t/>
+            </a:r>
+            <a:endParaRPr/>
+          </a:p>
+          <a:p>
+            <a:pPr indent="0" lvl="0" marL="0" rtl="0" algn="l">
+              <a:spcBef>
+                <a:spcPts val="1200"/>
+              </a:spcBef>
+              <a:spcAft>
+                <a:spcPts val="0"/>
+              </a:spcAft>
+              <a:buNone/>
+            </a:pPr>
+            <a:r>
+              <a:rPr lang="en-GB"/>
+              <a:t>Rooms:</a:t>
+            </a:r>
+            <a:endParaRPr/>
+          </a:p>
+          <a:p>
+            <a:pPr indent="-342900" lvl="0" marL="457200" rtl="0" algn="l">
+              <a:spcBef>
+                <a:spcPts val="1200"/>
+              </a:spcBef>
+              <a:spcAft>
+                <a:spcPts val="0"/>
+              </a:spcAft>
+              <a:buSzPts val="1800"/>
+              <a:buChar char="-"/>
+            </a:pPr>
+            <a:r>
+              <a:rPr lang="en-GB"/>
+              <a:t>Up to four doors</a:t>
+            </a:r>
+            <a:endParaRPr/>
+          </a:p>
+          <a:p>
+            <a:pPr indent="-342900" lvl="0" marL="457200" rtl="0" algn="l">
+              <a:spcBef>
+                <a:spcPts val="0"/>
+              </a:spcBef>
+              <a:spcAft>
+                <a:spcPts val="0"/>
+              </a:spcAft>
+              <a:buSzPts val="1800"/>
+              <a:buChar char="-"/>
+            </a:pPr>
+            <a:r>
+              <a:rPr lang="en-GB"/>
+              <a:t>Filled with items and enemies generated for each level.</a:t>
             </a:r>
             <a:endParaRPr/>
           </a:p>
@@ -28597,7 +28758,7 @@
       </p:sp>
       <p:pic>
         <p:nvPicPr>
-          <p:cNvPr id="548" name="Google Shape;548;p63"/>
+          <p:cNvPr id="547" name="Google Shape;547;p63"/>
           <p:cNvPicPr preferRelativeResize="0"/>
           <p:nvPr/>
         </p:nvPicPr>
@@ -28625,7 +28786,7 @@
       </p:pic>
       <p:pic>
         <p:nvPicPr>
-          <p:cNvPr id="549" name="Google Shape;549;p63"/>
+          <p:cNvPr id="548" name="Google Shape;548;p63"/>
           <p:cNvPicPr preferRelativeResize="0"/>
           <p:nvPr/>
         </p:nvPicPr>
@@ -28639,8 +28800,8 @@
         </p:blipFill>
         <p:spPr>
           <a:xfrm>
-            <a:off x="1819275" y="1017725"/>
-            <a:ext cx="5505450" cy="4019550"/>
+            <a:off x="6060539" y="0"/>
+            <a:ext cx="2381511" cy="5143500"/>
           </a:xfrm>
           <a:prstGeom prst="rect">
             <a:avLst/>
@@ -28664,7 +28825,7 @@
   <p:cSld>
     <p:spTree>
       <p:nvGrpSpPr>
-        <p:cNvPr id="553" name="Shape 553"/>
+        <p:cNvPr id="552" name="Shape 552"/>
         <p:cNvGrpSpPr/>
         <p:nvPr/>
       </p:nvGrpSpPr>
@@ -28678,7 +28839,7 @@
       </p:grpSpPr>
       <p:sp>
         <p:nvSpPr>
-          <p:cNvPr id="554" name="Google Shape;554;p64"/>
+          <p:cNvPr id="553" name="Google Shape;553;p64"/>
           <p:cNvSpPr txBox="1"/>
           <p:nvPr>
             <p:ph type="title"/>
@@ -28710,7 +28871,7 @@
             </a:pPr>
             <a:r>
               <a:rPr lang="en-GB"/>
-              <a:t>Michael</a:t>
+              <a:t>Jacob - Level Generation </a:t>
             </a:r>
             <a:endParaRPr/>
           </a:p>
@@ -28718,7 +28879,7 @@
       </p:sp>
       <p:sp>
         <p:nvSpPr>
-          <p:cNvPr id="555" name="Google Shape;555;p64"/>
+          <p:cNvPr id="554" name="Google Shape;554;p64"/>
           <p:cNvSpPr txBox="1"/>
           <p:nvPr>
             <p:ph idx="1" type="body"/>
@@ -28726,8 +28887,8 @@
         </p:nvSpPr>
         <p:spPr>
           <a:xfrm>
-            <a:off x="311700" y="1017725"/>
-            <a:ext cx="8520600" cy="3795900"/>
+            <a:off x="311700" y="1152475"/>
+            <a:ext cx="2915100" cy="3416400"/>
           </a:xfrm>
           <a:prstGeom prst="rect">
             <a:avLst/>
@@ -28735,184 +28896,29 @@
         </p:spPr>
         <p:txBody>
           <a:bodyPr anchorCtr="0" anchor="t" bIns="91425" lIns="91425" spcFirstLastPara="1" rIns="91425" wrap="square" tIns="91425">
-            <a:normAutofit lnSpcReduction="20000"/>
+            <a:normAutofit/>
           </a:bodyPr>
           <a:lstStyle/>
           <a:p>
-            <a:pPr indent="0" lvl="0" marL="3200400" rtl="0" algn="l">
-              <a:spcBef>
-                <a:spcPts val="0"/>
-              </a:spcBef>
-              <a:spcAft>
-                <a:spcPts val="0"/>
+            <a:pPr indent="0" lvl="0" marL="0" rtl="0" algn="l">
+              <a:spcBef>
+                <a:spcPts val="0"/>
+              </a:spcBef>
+              <a:spcAft>
+                <a:spcPts val="1200"/>
               </a:spcAft>
               <a:buNone/>
             </a:pPr>
             <a:r>
-              <a:rPr b="1" lang="en-GB" sz="2435" u="sng"/>
-              <a:t>Item Generation</a:t>
+              <a:t/>
             </a:r>
-            <a:endParaRPr b="1" sz="2435" u="sng"/>
-          </a:p>
-          <a:p>
-            <a:pPr indent="0" lvl="0" marL="0" rtl="0" algn="l">
-              <a:spcBef>
-                <a:spcPts val="1200"/>
-              </a:spcBef>
-              <a:spcAft>
-                <a:spcPts val="0"/>
-              </a:spcAft>
-              <a:buNone/>
-            </a:pPr>
-            <a:r>
-              <a:rPr b="1" lang="en-GB" sz="2000"/>
-              <a:t>Priority Level: Essential</a:t>
-            </a:r>
-            <a:endParaRPr b="1" sz="2000"/>
-          </a:p>
-          <a:p>
-            <a:pPr indent="0" lvl="0" marL="0" rtl="0" algn="l">
-              <a:spcBef>
-                <a:spcPts val="1200"/>
-              </a:spcBef>
-              <a:spcAft>
-                <a:spcPts val="0"/>
-              </a:spcAft>
-              <a:buNone/>
-            </a:pPr>
-            <a:r>
-              <a:rPr b="1" lang="en-GB" sz="2000"/>
-              <a:t>Complexity: Medium</a:t>
-            </a:r>
-            <a:endParaRPr b="1" sz="2000"/>
-          </a:p>
-          <a:p>
-            <a:pPr indent="0" lvl="0" marL="0" rtl="0" algn="l">
-              <a:spcBef>
-                <a:spcPts val="1200"/>
-              </a:spcBef>
-              <a:spcAft>
-                <a:spcPts val="0"/>
-              </a:spcAft>
-              <a:buNone/>
-            </a:pPr>
-            <a:r>
-              <a:rPr b="1" lang="en-GB" sz="2000"/>
-              <a:t>3 types of items in our game:</a:t>
-            </a:r>
-            <a:endParaRPr b="1" sz="2000"/>
-          </a:p>
-          <a:p>
-            <a:pPr indent="-355600" lvl="0" marL="457200" rtl="0" algn="l">
-              <a:spcBef>
-                <a:spcPts val="1200"/>
-              </a:spcBef>
-              <a:spcAft>
-                <a:spcPts val="0"/>
-              </a:spcAft>
-              <a:buSzPts val="2000"/>
-              <a:buChar char="-"/>
-            </a:pPr>
-            <a:r>
-              <a:rPr b="1" lang="en-GB" sz="2000" u="sng"/>
-              <a:t>Pedestal</a:t>
-            </a:r>
-            <a:r>
-              <a:rPr b="1" lang="en-GB" sz="2000" u="sng"/>
-              <a:t> Items</a:t>
-            </a:r>
-            <a:endParaRPr b="1" sz="2000" u="sng"/>
-          </a:p>
-          <a:p>
-            <a:pPr indent="-355600" lvl="1" marL="914400" rtl="0" algn="l">
-              <a:spcBef>
-                <a:spcPts val="0"/>
-              </a:spcBef>
-              <a:spcAft>
-                <a:spcPts val="0"/>
-              </a:spcAft>
-              <a:buSzPts val="2000"/>
-              <a:buChar char="-"/>
-            </a:pPr>
-            <a:r>
-              <a:rPr b="1" lang="en-GB" sz="2000"/>
-              <a:t>Weapons (range, melee, and magic weapon types)</a:t>
-            </a:r>
-            <a:endParaRPr b="1" sz="2000"/>
-          </a:p>
-          <a:p>
-            <a:pPr indent="-355600" lvl="0" marL="457200" rtl="0" algn="l">
-              <a:spcBef>
-                <a:spcPts val="0"/>
-              </a:spcBef>
-              <a:spcAft>
-                <a:spcPts val="0"/>
-              </a:spcAft>
-              <a:buSzPts val="2000"/>
-              <a:buChar char="-"/>
-            </a:pPr>
-            <a:r>
-              <a:rPr b="1" lang="en-GB" sz="2000" u="sng"/>
-              <a:t>Chest Items</a:t>
-            </a:r>
-            <a:endParaRPr b="1" sz="2000" u="sng"/>
-          </a:p>
-          <a:p>
-            <a:pPr indent="-355600" lvl="1" marL="914400" rtl="0" algn="l">
-              <a:spcBef>
-                <a:spcPts val="0"/>
-              </a:spcBef>
-              <a:spcAft>
-                <a:spcPts val="0"/>
-              </a:spcAft>
-              <a:buSzPts val="2000"/>
-              <a:buChar char="-"/>
-            </a:pPr>
-            <a:r>
-              <a:rPr b="1" lang="en-GB" sz="2000"/>
-              <a:t>Player Power-ups (speed boosts, damage increases, etc..)</a:t>
-            </a:r>
-            <a:endParaRPr b="1" sz="2000"/>
-          </a:p>
-          <a:p>
-            <a:pPr indent="-355600" lvl="0" marL="457200" rtl="0" algn="l">
-              <a:spcBef>
-                <a:spcPts val="0"/>
-              </a:spcBef>
-              <a:spcAft>
-                <a:spcPts val="0"/>
-              </a:spcAft>
-              <a:buSzPts val="2000"/>
-              <a:buChar char="-"/>
-            </a:pPr>
-            <a:r>
-              <a:rPr b="1" lang="en-GB" sz="2000" u="sng"/>
-              <a:t>Crate Items</a:t>
-            </a:r>
-            <a:endParaRPr b="1" sz="2000" u="sng"/>
-          </a:p>
-          <a:p>
-            <a:pPr indent="-355600" lvl="1" marL="914400" rtl="0" algn="l">
-              <a:spcBef>
-                <a:spcPts val="0"/>
-              </a:spcBef>
-              <a:spcAft>
-                <a:spcPts val="0"/>
-              </a:spcAft>
-              <a:buSzPts val="2000"/>
-              <a:buChar char="-"/>
-            </a:pPr>
-            <a:r>
-              <a:rPr b="1" lang="en-GB" sz="2000"/>
-              <a:t>Health Boosts and Coins</a:t>
-            </a:r>
-            <a:endParaRPr b="1" sz="2000"/>
+            <a:endParaRPr/>
           </a:p>
         </p:txBody>
       </p:sp>
       <p:pic>
         <p:nvPicPr>
-          <p:cNvPr id="556" name="Google Shape;556;p64"/>
+          <p:cNvPr id="555" name="Google Shape;555;p64"/>
           <p:cNvPicPr preferRelativeResize="0"/>
           <p:nvPr/>
         </p:nvPicPr>
@@ -28928,6 +28934,62 @@
           <a:xfrm>
             <a:off x="8641726" y="0"/>
             <a:ext cx="502277" cy="502027"/>
+          </a:xfrm>
+          <a:prstGeom prst="rect">
+            <a:avLst/>
+          </a:prstGeom>
+          <a:noFill/>
+          <a:ln>
+            <a:noFill/>
+          </a:ln>
+        </p:spPr>
+      </p:pic>
+      <p:pic>
+        <p:nvPicPr>
+          <p:cNvPr id="556" name="Google Shape;556;p64"/>
+          <p:cNvPicPr preferRelativeResize="0"/>
+          <p:nvPr/>
+        </p:nvPicPr>
+        <p:blipFill>
+          <a:blip r:embed="rId4">
+            <a:alphaModFix/>
+          </a:blip>
+          <a:stretch>
+            <a:fillRect/>
+          </a:stretch>
+        </p:blipFill>
+        <p:spPr>
+          <a:xfrm>
+            <a:off x="4637525" y="1329363"/>
+            <a:ext cx="4194774" cy="3062625"/>
+          </a:xfrm>
+          <a:prstGeom prst="rect">
+            <a:avLst/>
+          </a:prstGeom>
+          <a:noFill/>
+          <a:ln>
+            <a:noFill/>
+          </a:ln>
+        </p:spPr>
+      </p:pic>
+      <p:pic>
+        <p:nvPicPr>
+          <p:cNvPr id="557" name="Google Shape;557;p64"/>
+          <p:cNvPicPr preferRelativeResize="0"/>
+          <p:nvPr/>
+        </p:nvPicPr>
+        <p:blipFill>
+          <a:blip r:embed="rId5">
+            <a:alphaModFix/>
+          </a:blip>
+          <a:stretch>
+            <a:fillRect/>
+          </a:stretch>
+        </p:blipFill>
+        <p:spPr>
+          <a:xfrm>
+            <a:off x="311701" y="1152475"/>
+            <a:ext cx="4194775" cy="3643458"/>
           </a:xfrm>
           <a:prstGeom prst="rect">
             <a:avLst/>
@@ -29243,7 +29305,7 @@
   <p:cSld>
     <p:spTree>
       <p:nvGrpSpPr>
-        <p:cNvPr id="560" name="Shape 560"/>
+        <p:cNvPr id="561" name="Shape 561"/>
         <p:cNvGrpSpPr/>
         <p:nvPr/>
       </p:nvGrpSpPr>
@@ -29257,7 +29319,7 @@
       </p:grpSpPr>
       <p:sp>
         <p:nvSpPr>
-          <p:cNvPr id="561" name="Google Shape;561;p65"/>
+          <p:cNvPr id="562" name="Google Shape;562;p65"/>
           <p:cNvSpPr txBox="1"/>
           <p:nvPr>
             <p:ph type="title"/>
@@ -29289,15 +29351,243 @@
             </a:pPr>
             <a:r>
               <a:rPr lang="en-GB"/>
-              <a:t>Michael</a:t>
+              <a:t>Michael (Team Lead 3)</a:t>
             </a:r>
             <a:endParaRPr/>
           </a:p>
         </p:txBody>
       </p:sp>
+      <p:sp>
+        <p:nvSpPr>
+          <p:cNvPr id="563" name="Google Shape;563;p65"/>
+          <p:cNvSpPr txBox="1"/>
+          <p:nvPr>
+            <p:ph idx="1" type="body"/>
+          </p:nvPr>
+        </p:nvSpPr>
+        <p:spPr>
+          <a:xfrm>
+            <a:off x="311700" y="897175"/>
+            <a:ext cx="8520600" cy="4246500"/>
+          </a:xfrm>
+          <a:prstGeom prst="rect">
+            <a:avLst/>
+          </a:prstGeom>
+        </p:spPr>
+        <p:txBody>
+          <a:bodyPr anchorCtr="0" anchor="t" bIns="91425" lIns="91425" spcFirstLastPara="1" rIns="91425" wrap="square" tIns="91425">
+            <a:normAutofit fontScale="85000" lnSpcReduction="20000"/>
+          </a:bodyPr>
+          <a:lstStyle/>
+          <a:p>
+            <a:pPr indent="0" lvl="0" marL="3200400" rtl="0" algn="l">
+              <a:spcBef>
+                <a:spcPts val="0"/>
+              </a:spcBef>
+              <a:spcAft>
+                <a:spcPts val="0"/>
+              </a:spcAft>
+              <a:buNone/>
+            </a:pPr>
+            <a:r>
+              <a:rPr b="1" lang="en-GB" sz="2435" u="sng"/>
+              <a:t>Item Generation</a:t>
+            </a:r>
+            <a:endParaRPr b="1" sz="2435" u="sng"/>
+          </a:p>
+          <a:p>
+            <a:pPr indent="0" lvl="0" marL="0" rtl="0" algn="l">
+              <a:spcBef>
+                <a:spcPts val="1200"/>
+              </a:spcBef>
+              <a:spcAft>
+                <a:spcPts val="0"/>
+              </a:spcAft>
+              <a:buNone/>
+            </a:pPr>
+            <a:r>
+              <a:rPr b="1" lang="en-GB" sz="2000"/>
+              <a:t>Priority Level:</a:t>
+            </a:r>
+            <a:endParaRPr b="1" sz="2000"/>
+          </a:p>
+          <a:p>
+            <a:pPr indent="-336550" lvl="0" marL="457200" rtl="0" algn="l">
+              <a:spcBef>
+                <a:spcPts val="1200"/>
+              </a:spcBef>
+              <a:spcAft>
+                <a:spcPts val="0"/>
+              </a:spcAft>
+              <a:buSzPct val="100000"/>
+              <a:buChar char="-"/>
+            </a:pPr>
+            <a:r>
+              <a:rPr b="1" lang="en-GB" sz="2000"/>
+              <a:t>Medium (team lead role) / Essential (game feature)</a:t>
+            </a:r>
+            <a:endParaRPr b="1" sz="2000"/>
+          </a:p>
+          <a:p>
+            <a:pPr indent="0" lvl="0" marL="0" rtl="0" algn="l">
+              <a:spcBef>
+                <a:spcPts val="1200"/>
+              </a:spcBef>
+              <a:spcAft>
+                <a:spcPts val="0"/>
+              </a:spcAft>
+              <a:buNone/>
+            </a:pPr>
+            <a:r>
+              <a:rPr b="1" lang="en-GB" sz="2000"/>
+              <a:t>Complexity: </a:t>
+            </a:r>
+            <a:endParaRPr b="1" sz="2000"/>
+          </a:p>
+          <a:p>
+            <a:pPr indent="-336550" lvl="0" marL="457200" rtl="0" algn="l">
+              <a:spcBef>
+                <a:spcPts val="1200"/>
+              </a:spcBef>
+              <a:spcAft>
+                <a:spcPts val="0"/>
+              </a:spcAft>
+              <a:buSzPct val="100000"/>
+              <a:buChar char="-"/>
+            </a:pPr>
+            <a:r>
+              <a:rPr b="1" lang="en-GB" sz="2000"/>
+              <a:t>Medium (tema lead role) / Medium (game feature)</a:t>
+            </a:r>
+            <a:endParaRPr b="1" sz="2000"/>
+          </a:p>
+          <a:p>
+            <a:pPr indent="0" lvl="0" marL="0" rtl="0" algn="l">
+              <a:spcBef>
+                <a:spcPts val="1200"/>
+              </a:spcBef>
+              <a:spcAft>
+                <a:spcPts val="0"/>
+              </a:spcAft>
+              <a:buNone/>
+            </a:pPr>
+            <a:r>
+              <a:rPr b="1" lang="en-GB" sz="2000"/>
+              <a:t>3 types of items in our game:</a:t>
+            </a:r>
+            <a:endParaRPr b="1" sz="2000"/>
+          </a:p>
+          <a:p>
+            <a:pPr indent="-336550" lvl="0" marL="457200" rtl="0" algn="l">
+              <a:spcBef>
+                <a:spcPts val="1200"/>
+              </a:spcBef>
+              <a:spcAft>
+                <a:spcPts val="0"/>
+              </a:spcAft>
+              <a:buSzPct val="100000"/>
+              <a:buChar char="-"/>
+            </a:pPr>
+            <a:r>
+              <a:rPr b="1" lang="en-GB" sz="2000" u="sng"/>
+              <a:t>Pedestal</a:t>
+            </a:r>
+            <a:r>
+              <a:rPr b="1" lang="en-GB" sz="2000" u="sng"/>
+              <a:t> Items</a:t>
+            </a:r>
+            <a:endParaRPr b="1" sz="2000" u="sng"/>
+          </a:p>
+          <a:p>
+            <a:pPr indent="-336550" lvl="1" marL="914400" rtl="0" algn="l">
+              <a:spcBef>
+                <a:spcPts val="0"/>
+              </a:spcBef>
+              <a:spcAft>
+                <a:spcPts val="0"/>
+              </a:spcAft>
+              <a:buSzPct val="100000"/>
+              <a:buChar char="-"/>
+            </a:pPr>
+            <a:r>
+              <a:rPr b="1" lang="en-GB" sz="2000"/>
+              <a:t>Weapons (range, melee, and magic weapon types)</a:t>
+            </a:r>
+            <a:endParaRPr b="1" sz="2000"/>
+          </a:p>
+          <a:p>
+            <a:pPr indent="-336550" lvl="0" marL="457200" rtl="0" algn="l">
+              <a:spcBef>
+                <a:spcPts val="0"/>
+              </a:spcBef>
+              <a:spcAft>
+                <a:spcPts val="0"/>
+              </a:spcAft>
+              <a:buSzPct val="100000"/>
+              <a:buChar char="-"/>
+            </a:pPr>
+            <a:r>
+              <a:rPr b="1" lang="en-GB" sz="2000" u="sng"/>
+              <a:t>Chest Items</a:t>
+            </a:r>
+            <a:endParaRPr b="1" sz="2000" u="sng"/>
+          </a:p>
+          <a:p>
+            <a:pPr indent="-336550" lvl="1" marL="914400" rtl="0" algn="l">
+              <a:spcBef>
+                <a:spcPts val="0"/>
+              </a:spcBef>
+              <a:spcAft>
+                <a:spcPts val="0"/>
+              </a:spcAft>
+              <a:buSzPct val="100000"/>
+              <a:buChar char="-"/>
+            </a:pPr>
+            <a:r>
+              <a:rPr b="1" lang="en-GB" sz="2000"/>
+              <a:t>Player Power-ups (speed boosts, damage increases, etc..)</a:t>
+            </a:r>
+            <a:endParaRPr b="1" sz="2000"/>
+          </a:p>
+          <a:p>
+            <a:pPr indent="-336550" lvl="0" marL="457200" rtl="0" algn="l">
+              <a:spcBef>
+                <a:spcPts val="0"/>
+              </a:spcBef>
+              <a:spcAft>
+                <a:spcPts val="0"/>
+              </a:spcAft>
+              <a:buSzPct val="100000"/>
+              <a:buChar char="-"/>
+            </a:pPr>
+            <a:r>
+              <a:rPr b="1" lang="en-GB" sz="2000" u="sng"/>
+              <a:t>Crate Items</a:t>
+            </a:r>
+            <a:endParaRPr b="1" sz="2000" u="sng"/>
+          </a:p>
+          <a:p>
+            <a:pPr indent="-336550" lvl="1" marL="914400" rtl="0" algn="l">
+              <a:spcBef>
+                <a:spcPts val="0"/>
+              </a:spcBef>
+              <a:spcAft>
+                <a:spcPts val="0"/>
+              </a:spcAft>
+              <a:buSzPct val="100000"/>
+              <a:buChar char="-"/>
+            </a:pPr>
+            <a:r>
+              <a:rPr b="1" lang="en-GB" sz="2000"/>
+              <a:t>Health Boosts and Coins</a:t>
+            </a:r>
+            <a:endParaRPr b="1" sz="2000"/>
+          </a:p>
+        </p:txBody>
+      </p:sp>
       <p:pic>
         <p:nvPicPr>
-          <p:cNvPr id="562" name="Google Shape;562;p65"/>
+          <p:cNvPr id="564" name="Google Shape;564;p65"/>
           <p:cNvPicPr preferRelativeResize="0"/>
           <p:nvPr/>
         </p:nvPicPr>
@@ -29311,8 +29601,8 @@
         </p:blipFill>
         <p:spPr>
           <a:xfrm>
-            <a:off x="2129875" y="0"/>
-            <a:ext cx="6259100" cy="5143499"/>
+            <a:off x="8641726" y="0"/>
+            <a:ext cx="502277" cy="502027"/>
           </a:xfrm>
           <a:prstGeom prst="rect">
             <a:avLst/>
@@ -29336,7 +29626,7 @@
   <p:cSld>
     <p:spTree>
       <p:nvGrpSpPr>
-        <p:cNvPr id="566" name="Shape 566"/>
+        <p:cNvPr id="568" name="Shape 568"/>
         <p:cNvGrpSpPr/>
         <p:nvPr/>
       </p:nvGrpSpPr>
@@ -29350,7 +29640,7 @@
       </p:grpSpPr>
       <p:sp>
         <p:nvSpPr>
-          <p:cNvPr id="567" name="Google Shape;567;p66"/>
+          <p:cNvPr id="569" name="Google Shape;569;p66"/>
           <p:cNvSpPr txBox="1"/>
           <p:nvPr>
             <p:ph type="title"/>
@@ -29390,7 +29680,7 @@
       </p:sp>
       <p:pic>
         <p:nvPicPr>
-          <p:cNvPr id="568" name="Google Shape;568;p66"/>
+          <p:cNvPr id="570" name="Google Shape;570;p66"/>
           <p:cNvPicPr preferRelativeResize="0"/>
           <p:nvPr/>
         </p:nvPicPr>
@@ -29404,8 +29694,8 @@
         </p:blipFill>
         <p:spPr>
           <a:xfrm>
-            <a:off x="853313" y="1017725"/>
-            <a:ext cx="7437373" cy="3893000"/>
+            <a:off x="2498838" y="676925"/>
+            <a:ext cx="4146325" cy="3919350"/>
           </a:xfrm>
           <a:prstGeom prst="rect">
             <a:avLst/>
@@ -29429,7 +29719,7 @@
   <p:cSld>
     <p:spTree>
       <p:nvGrpSpPr>
-        <p:cNvPr id="572" name="Shape 572"/>
+        <p:cNvPr id="574" name="Shape 574"/>
         <p:cNvGrpSpPr/>
         <p:nvPr/>
       </p:nvGrpSpPr>
@@ -29443,7 +29733,7 @@
       </p:grpSpPr>
       <p:sp>
         <p:nvSpPr>
-          <p:cNvPr id="573" name="Google Shape;573;p67"/>
+          <p:cNvPr id="575" name="Google Shape;575;p67"/>
           <p:cNvSpPr txBox="1"/>
           <p:nvPr>
             <p:ph type="title"/>
@@ -29475,127 +29765,7 @@
             </a:pPr>
             <a:r>
               <a:rPr lang="en-GB"/>
-              <a:t>Caleb C, The Bad-Guy Guy!</a:t>
-            </a:r>
-            <a:endParaRPr/>
-          </a:p>
-        </p:txBody>
-      </p:sp>
-      <p:sp>
-        <p:nvSpPr>
-          <p:cNvPr id="574" name="Google Shape;574;p67"/>
-          <p:cNvSpPr txBox="1"/>
-          <p:nvPr>
-            <p:ph idx="1" type="body"/>
-          </p:nvPr>
-        </p:nvSpPr>
-        <p:spPr>
-          <a:xfrm>
-            <a:off x="311700" y="1152475"/>
-            <a:ext cx="8520600" cy="3416400"/>
-          </a:xfrm>
-          <a:prstGeom prst="rect">
-            <a:avLst/>
-          </a:prstGeom>
-        </p:spPr>
-        <p:txBody>
-          <a:bodyPr anchorCtr="0" anchor="t" bIns="91425" lIns="91425" spcFirstLastPara="1" rIns="91425" wrap="square" tIns="91425">
-            <a:normAutofit lnSpcReduction="20000"/>
-          </a:bodyPr>
-          <a:lstStyle/>
-          <a:p>
-            <a:pPr indent="0" lvl="0" marL="0" rtl="0" algn="l">
-              <a:spcBef>
-                <a:spcPts val="0"/>
-              </a:spcBef>
-              <a:spcAft>
-                <a:spcPts val="0"/>
-              </a:spcAft>
-              <a:buNone/>
-            </a:pPr>
-            <a:r>
-              <a:rPr lang="en-GB"/>
-              <a:t>Enemy Design!</a:t>
-            </a:r>
-            <a:endParaRPr/>
-          </a:p>
-          <a:p>
-            <a:pPr indent="0" lvl="0" marL="0" rtl="0" algn="l">
-              <a:spcBef>
-                <a:spcPts val="1200"/>
-              </a:spcBef>
-              <a:spcAft>
-                <a:spcPts val="0"/>
-              </a:spcAft>
-              <a:buNone/>
-            </a:pPr>
-            <a:r>
-              <a:rPr lang="en-GB"/>
-              <a:t>Enemies will all be derived from a premade library full of multiple types of enemies for different engagements and fights. It will also contain bosses for a challenging fight at the end of each level. An example of an element of the library would contain the following info</a:t>
-            </a:r>
-            <a:endParaRPr/>
-          </a:p>
-          <a:p>
-            <a:pPr indent="0" lvl="0" marL="0" rtl="0" algn="l">
-              <a:spcBef>
-                <a:spcPts val="1200"/>
-              </a:spcBef>
-              <a:spcAft>
-                <a:spcPts val="0"/>
-              </a:spcAft>
-              <a:buNone/>
-            </a:pPr>
-            <a:r>
-              <a:rPr lang="en-GB"/>
-              <a:t>-EnemyLibrary[]</a:t>
-            </a:r>
-            <a:endParaRPr/>
-          </a:p>
-          <a:p>
-            <a:pPr indent="0" lvl="0" marL="0" rtl="0" algn="l">
-              <a:spcBef>
-                <a:spcPts val="1200"/>
-              </a:spcBef>
-              <a:spcAft>
-                <a:spcPts val="0"/>
-              </a:spcAft>
-              <a:buNone/>
-            </a:pPr>
-            <a:r>
-              <a:rPr lang="en-GB"/>
-              <a:t>	-Enemies(non-boss)[]</a:t>
-            </a:r>
-            <a:endParaRPr/>
-          </a:p>
-          <a:p>
-            <a:pPr indent="0" lvl="0" marL="457200" rtl="0" algn="l">
-              <a:spcBef>
-                <a:spcPts val="1200"/>
-              </a:spcBef>
-              <a:spcAft>
-                <a:spcPts val="0"/>
-              </a:spcAft>
-              <a:buNone/>
-            </a:pPr>
-            <a:r>
-              <a:rPr lang="en-GB"/>
-              <a:t>	-Skeleton</a:t>
-            </a:r>
-            <a:endParaRPr/>
-          </a:p>
-          <a:p>
-            <a:pPr indent="0" lvl="0" marL="457200" rtl="0" algn="l">
-              <a:spcBef>
-                <a:spcPts val="1200"/>
-              </a:spcBef>
-              <a:spcAft>
-                <a:spcPts val="1200"/>
-              </a:spcAft>
-              <a:buNone/>
-            </a:pPr>
-            <a:r>
-              <a:rPr lang="en-GB"/>
-              <a:t>		-SkeletonBaseStats | -SkeletonSprite | -SkeletonBehaviourScripts</a:t>
+              <a:t>Michael</a:t>
             </a:r>
             <a:endParaRPr/>
           </a:p>
@@ -29603,7 +29773,7 @@
       </p:sp>
       <p:pic>
         <p:nvPicPr>
-          <p:cNvPr id="575" name="Google Shape;575;p67"/>
+          <p:cNvPr id="576" name="Google Shape;576;p67"/>
           <p:cNvPicPr preferRelativeResize="0"/>
           <p:nvPr/>
         </p:nvPicPr>
@@ -29617,35 +29787,8 @@
         </p:blipFill>
         <p:spPr>
           <a:xfrm>
-            <a:off x="8641726" y="0"/>
-            <a:ext cx="502277" cy="502027"/>
-          </a:xfrm>
-          <a:prstGeom prst="rect">
-            <a:avLst/>
-          </a:prstGeom>
-          <a:noFill/>
-          <a:ln>
-            <a:noFill/>
-          </a:ln>
-        </p:spPr>
-      </p:pic>
-      <p:pic>
-        <p:nvPicPr>
-          <p:cNvPr id="576" name="Google Shape;576;p67"/>
-          <p:cNvPicPr preferRelativeResize="0"/>
-          <p:nvPr/>
-        </p:nvPicPr>
-        <p:blipFill rotWithShape="1">
-          <a:blip r:embed="rId4">
-            <a:alphaModFix/>
-          </a:blip>
-          <a:srcRect b="-10130" l="0" r="0" t="10130"/>
-          <a:stretch/>
-        </p:blipFill>
-        <p:spPr>
-          <a:xfrm>
-            <a:off x="3828150" y="2571750"/>
-            <a:ext cx="1700874" cy="1700874"/>
+            <a:off x="2129875" y="0"/>
+            <a:ext cx="6259100" cy="5143499"/>
           </a:xfrm>
           <a:prstGeom prst="rect">
             <a:avLst/>
@@ -29667,13 +29810,6 @@
 <file path=ppt/slides/slide43.xml><?xml version="1.0" encoding="utf-8"?>
 <p:sld xmlns:a="http://schemas.openxmlformats.org/drawingml/2006/main" xmlns:r="http://schemas.openxmlformats.org/officeDocument/2006/relationships" xmlns:mc="http://schemas.openxmlformats.org/markup-compatibility/2006" xmlns:mv="urn:schemas-microsoft-com:mac:vml" xmlns:p="http://schemas.openxmlformats.org/presentationml/2006/main" xmlns:c="http://schemas.openxmlformats.org/drawingml/2006/chart" xmlns:dgm="http://schemas.openxmlformats.org/drawingml/2006/diagram" xmlns:o="urn:schemas-microsoft-com:office:office" xmlns:v="urn:schemas-microsoft-com:vml" xmlns:pvml="urn:schemas-microsoft-com:office:powerpoint" xmlns:com="http://schemas.openxmlformats.org/drawingml/2006/compatibility" xmlns:p14="http://schemas.microsoft.com/office/powerpoint/2010/main" xmlns:p15="http://schemas.microsoft.com/office/powerpoint/2012/main" xmlns:ahyp="http://schemas.microsoft.com/office/drawing/2018/hyperlinkcolor">
   <p:cSld>
-    <p:bg>
-      <p:bgPr>
-        <a:solidFill>
-          <a:schemeClr val="lt1"/>
-        </a:solidFill>
-      </p:bgPr>
-    </p:bg>
     <p:spTree>
       <p:nvGrpSpPr>
         <p:cNvPr id="580" name="Shape 580"/>
@@ -29722,66 +29858,7 @@
             </a:pPr>
             <a:r>
               <a:rPr lang="en-GB"/>
-              <a:t>Well, How’s It Work???</a:t>
-            </a:r>
-            <a:endParaRPr/>
-          </a:p>
-        </p:txBody>
-      </p:sp>
-      <p:sp>
-        <p:nvSpPr>
-          <p:cNvPr id="582" name="Google Shape;582;p68"/>
-          <p:cNvSpPr txBox="1"/>
-          <p:nvPr>
-            <p:ph idx="1" type="body"/>
-          </p:nvPr>
-        </p:nvSpPr>
-        <p:spPr>
-          <a:xfrm>
-            <a:off x="311700" y="1152475"/>
-            <a:ext cx="4632900" cy="3416400"/>
-          </a:xfrm>
-          <a:prstGeom prst="rect">
-            <a:avLst/>
-          </a:prstGeom>
-          <a:solidFill>
-            <a:schemeClr val="lt1"/>
-          </a:solidFill>
-        </p:spPr>
-        <p:txBody>
-          <a:bodyPr anchorCtr="0" anchor="t" bIns="91425" lIns="91425" spcFirstLastPara="1" rIns="91425" wrap="square" tIns="91425">
-            <a:normAutofit lnSpcReduction="10000"/>
-          </a:bodyPr>
-          <a:lstStyle/>
-          <a:p>
-            <a:pPr indent="0" lvl="0" marL="0" rtl="0" algn="l">
-              <a:spcBef>
-                <a:spcPts val="0"/>
-              </a:spcBef>
-              <a:spcAft>
-                <a:spcPts val="0"/>
-              </a:spcAft>
-              <a:buNone/>
-            </a:pPr>
-            <a:r>
-              <a:rPr lang="en-GB"/>
-              <a:t>When the Level Generator(Jacob) makes a request for a new enemy to be placed, the Enemy Generator will pull a random enemy from the library, where it will then modify the objects stats based on the current difficulty level, I.E. health, damage, etc, and return a uniquely modified enemy back to the level generator for placement within the game.</a:t>
-            </a:r>
-            <a:endParaRPr/>
-          </a:p>
-          <a:p>
-            <a:pPr indent="0" lvl="0" marL="0" rtl="0" algn="l">
-              <a:spcBef>
-                <a:spcPts val="1200"/>
-              </a:spcBef>
-              <a:spcAft>
-                <a:spcPts val="1200"/>
-              </a:spcAft>
-              <a:buNone/>
-            </a:pPr>
-            <a:r>
-              <a:rPr lang="en-GB"/>
-              <a:t>This can also be done with bosses when specified.</a:t>
+              <a:t>Michael</a:t>
             </a:r>
             <a:endParaRPr/>
           </a:p>
@@ -29789,7 +29866,7 @@
       </p:sp>
       <p:pic>
         <p:nvPicPr>
-          <p:cNvPr id="583" name="Google Shape;583;p68"/>
+          <p:cNvPr id="582" name="Google Shape;582;p68"/>
           <p:cNvPicPr preferRelativeResize="0"/>
           <p:nvPr/>
         </p:nvPicPr>
@@ -29803,36 +29880,8 @@
         </p:blipFill>
         <p:spPr>
           <a:xfrm>
-            <a:off x="8641726" y="0"/>
-            <a:ext cx="502277" cy="502027"/>
-          </a:xfrm>
-          <a:prstGeom prst="rect">
-            <a:avLst/>
-          </a:prstGeom>
-          <a:noFill/>
-          <a:ln>
-            <a:noFill/>
-          </a:ln>
-        </p:spPr>
-      </p:pic>
-      <p:pic>
-        <p:nvPicPr>
-          <p:cNvPr id="584" name="Google Shape;584;p68"/>
-          <p:cNvPicPr preferRelativeResize="0"/>
-          <p:nvPr/>
-        </p:nvPicPr>
-        <p:blipFill>
-          <a:blip r:embed="rId4">
-            <a:alphaModFix/>
-          </a:blip>
-          <a:stretch>
-            <a:fillRect/>
-          </a:stretch>
-        </p:blipFill>
-        <p:spPr>
-          <a:xfrm>
-            <a:off x="4944600" y="1017725"/>
-            <a:ext cx="4199399" cy="3551150"/>
+            <a:off x="853313" y="1017725"/>
+            <a:ext cx="7437373" cy="3893000"/>
           </a:xfrm>
           <a:prstGeom prst="rect">
             <a:avLst/>
@@ -29856,7 +29905,7 @@
   <p:cSld>
     <p:spTree>
       <p:nvGrpSpPr>
-        <p:cNvPr id="588" name="Shape 588"/>
+        <p:cNvPr id="586" name="Shape 586"/>
         <p:cNvGrpSpPr/>
         <p:nvPr/>
       </p:nvGrpSpPr>
@@ -29870,7 +29919,7 @@
       </p:grpSpPr>
       <p:sp>
         <p:nvSpPr>
-          <p:cNvPr id="589" name="Google Shape;589;p69"/>
+          <p:cNvPr id="587" name="Google Shape;587;p69"/>
           <p:cNvSpPr txBox="1"/>
           <p:nvPr>
             <p:ph type="title"/>
@@ -29902,7 +29951,7 @@
             </a:pPr>
             <a:r>
               <a:rPr lang="en-GB"/>
-              <a:t>Now In Sequence!</a:t>
+              <a:t>Caleb C, The Bad-Guy Guy!</a:t>
             </a:r>
             <a:endParaRPr/>
           </a:p>
@@ -29910,7 +29959,7 @@
       </p:sp>
       <p:sp>
         <p:nvSpPr>
-          <p:cNvPr id="590" name="Google Shape;590;p69"/>
+          <p:cNvPr id="588" name="Google Shape;588;p69"/>
           <p:cNvSpPr txBox="1"/>
           <p:nvPr>
             <p:ph idx="1" type="body"/>
@@ -29919,7 +29968,7 @@
         <p:spPr>
           <a:xfrm>
             <a:off x="311700" y="1152475"/>
-            <a:ext cx="4365900" cy="3416400"/>
+            <a:ext cx="8520600" cy="3416400"/>
           </a:xfrm>
           <a:prstGeom prst="rect">
             <a:avLst/>
@@ -29927,7 +29976,7 @@
         </p:spPr>
         <p:txBody>
           <a:bodyPr anchorCtr="0" anchor="t" bIns="91425" lIns="91425" spcFirstLastPara="1" rIns="91425" wrap="square" tIns="91425">
-            <a:normAutofit/>
+            <a:normAutofit lnSpcReduction="20000"/>
           </a:bodyPr>
           <a:lstStyle/>
           <a:p>
@@ -29942,7 +29991,7 @@
             </a:pPr>
             <a:r>
               <a:rPr lang="en-GB"/>
-              <a:t>Another way of looking at it from our sequence diagram. The flow of data is fairly straightforward, making this process fast and efficient. The level generator makes a request, the enemy generator finds a new enemy, it modifies the new enemy’s stats, and the sends it right back to the level generator.</a:t>
+              <a:t>Enemy Design!  (Priority: Medium, Complexity: Medium)</a:t>
             </a:r>
             <a:endParaRPr/>
           </a:p>
@@ -29952,13 +30001,77 @@
                 <a:spcPts val="1200"/>
               </a:spcBef>
               <a:spcAft>
-                <a:spcPts val="1200"/>
+                <a:spcPts val="0"/>
               </a:spcAft>
               <a:buNone/>
             </a:pPr>
             <a:r>
               <a:rPr lang="en-GB"/>
-              <a:t>Simple, but effective!</a:t>
+              <a:t>Enemies will all be derived from a premade library full of multiple types of enemies for different engagements and fights. It will also contain bosses for a challenging fight at the end of each level. An example of an element of the library would contain the following info</a:t>
+            </a:r>
+            <a:endParaRPr/>
+          </a:p>
+          <a:p>
+            <a:pPr indent="0" lvl="0" marL="0" rtl="0" algn="l">
+              <a:spcBef>
+                <a:spcPts val="1200"/>
+              </a:spcBef>
+              <a:spcAft>
+                <a:spcPts val="0"/>
+              </a:spcAft>
+              <a:buNone/>
+            </a:pPr>
+            <a:r>
+              <a:rPr lang="en-GB"/>
+              <a:t>-EnemyLibrary[]</a:t>
+            </a:r>
+            <a:endParaRPr/>
+          </a:p>
+          <a:p>
+            <a:pPr indent="0" lvl="0" marL="0" rtl="0" algn="l">
+              <a:spcBef>
+                <a:spcPts val="1200"/>
+              </a:spcBef>
+              <a:spcAft>
+                <a:spcPts val="0"/>
+              </a:spcAft>
+              <a:buNone/>
+            </a:pPr>
+            <a:r>
+              <a:rPr lang="en-GB"/>
+              <a:t>	-Enemies(non-boss)[]</a:t>
+            </a:r>
+            <a:endParaRPr/>
+          </a:p>
+          <a:p>
+            <a:pPr indent="0" lvl="0" marL="457200" rtl="0" algn="l">
+              <a:spcBef>
+                <a:spcPts val="1200"/>
+              </a:spcBef>
+              <a:spcAft>
+                <a:spcPts val="0"/>
+              </a:spcAft>
+              <a:buNone/>
+            </a:pPr>
+            <a:r>
+              <a:rPr lang="en-GB"/>
+              <a:t>	-Skeleton</a:t>
+            </a:r>
+            <a:endParaRPr/>
+          </a:p>
+          <a:p>
+            <a:pPr indent="0" lvl="0" marL="457200" rtl="0" algn="l">
+              <a:spcBef>
+                <a:spcPts val="1200"/>
+              </a:spcBef>
+              <a:spcAft>
+                <a:spcPts val="1200"/>
+              </a:spcAft>
+              <a:buNone/>
+            </a:pPr>
+            <a:r>
+              <a:rPr lang="en-GB"/>
+              <a:t>		-SkeletonBaseStats | -SkeletonSprite | -SkeletonBehaviourScripts</a:t>
             </a:r>
             <a:endParaRPr/>
           </a:p>
@@ -29966,7 +30079,7 @@
       </p:sp>
       <p:pic>
         <p:nvPicPr>
-          <p:cNvPr id="591" name="Google Shape;591;p69"/>
+          <p:cNvPr id="589" name="Google Shape;589;p69"/>
           <p:cNvPicPr preferRelativeResize="0"/>
           <p:nvPr/>
         </p:nvPicPr>
@@ -29994,22 +30107,21 @@
       </p:pic>
       <p:pic>
         <p:nvPicPr>
-          <p:cNvPr id="592" name="Google Shape;592;p69"/>
+          <p:cNvPr id="590" name="Google Shape;590;p69"/>
           <p:cNvPicPr preferRelativeResize="0"/>
           <p:nvPr/>
         </p:nvPicPr>
-        <p:blipFill>
+        <p:blipFill rotWithShape="1">
           <a:blip r:embed="rId4">
             <a:alphaModFix/>
           </a:blip>
-          <a:stretch>
-            <a:fillRect/>
-          </a:stretch>
+          <a:srcRect b="-10130" l="0" r="0" t="10130"/>
+          <a:stretch/>
         </p:blipFill>
         <p:spPr>
           <a:xfrm>
-            <a:off x="4677600" y="1152475"/>
-            <a:ext cx="4466399" cy="3416400"/>
+            <a:off x="3828150" y="2571750"/>
+            <a:ext cx="1700874" cy="1700874"/>
           </a:xfrm>
           <a:prstGeom prst="rect">
             <a:avLst/>
@@ -30020,6 +30132,56 @@
           </a:ln>
         </p:spPr>
       </p:pic>
+      <p:sp>
+        <p:nvSpPr>
+          <p:cNvPr id="591" name="Google Shape;591;p69"/>
+          <p:cNvSpPr txBox="1"/>
+          <p:nvPr/>
+        </p:nvSpPr>
+        <p:spPr>
+          <a:xfrm>
+            <a:off x="7534500" y="20150"/>
+            <a:ext cx="1297800" cy="461700"/>
+          </a:xfrm>
+          <a:prstGeom prst="rect">
+            <a:avLst/>
+          </a:prstGeom>
+          <a:noFill/>
+          <a:ln>
+            <a:noFill/>
+          </a:ln>
+        </p:spPr>
+        <p:txBody>
+          <a:bodyPr anchorCtr="0" anchor="t" bIns="91425" lIns="91425" spcFirstLastPara="1" rIns="91425" wrap="square" tIns="91425">
+            <a:spAutoFit/>
+          </a:bodyPr>
+          <a:lstStyle/>
+          <a:p>
+            <a:pPr indent="0" lvl="0" marL="0" rtl="0" algn="l">
+              <a:spcBef>
+                <a:spcPts val="0"/>
+              </a:spcBef>
+              <a:spcAft>
+                <a:spcPts val="0"/>
+              </a:spcAft>
+              <a:buNone/>
+            </a:pPr>
+            <a:r>
+              <a:rPr lang="en-GB" sz="1800">
+                <a:solidFill>
+                  <a:schemeClr val="lt2"/>
+                </a:solidFill>
+              </a:rPr>
+              <a:t>Caleb C.</a:t>
+            </a:r>
+            <a:endParaRPr sz="1800">
+              <a:solidFill>
+                <a:schemeClr val="lt2"/>
+              </a:solidFill>
+            </a:endParaRPr>
+          </a:p>
+        </p:txBody>
+      </p:sp>
     </p:spTree>
   </p:cSld>
   <p:clrMapOvr>
@@ -30031,9 +30193,16 @@
 <file path=ppt/slides/slide45.xml><?xml version="1.0" encoding="utf-8"?>
 <p:sld xmlns:a="http://schemas.openxmlformats.org/drawingml/2006/main" xmlns:r="http://schemas.openxmlformats.org/officeDocument/2006/relationships" xmlns:mc="http://schemas.openxmlformats.org/markup-compatibility/2006" xmlns:mv="urn:schemas-microsoft-com:mac:vml" xmlns:p="http://schemas.openxmlformats.org/presentationml/2006/main" xmlns:c="http://schemas.openxmlformats.org/drawingml/2006/chart" xmlns:dgm="http://schemas.openxmlformats.org/drawingml/2006/diagram" xmlns:o="urn:schemas-microsoft-com:office:office" xmlns:v="urn:schemas-microsoft-com:vml" xmlns:pvml="urn:schemas-microsoft-com:office:powerpoint" xmlns:com="http://schemas.openxmlformats.org/drawingml/2006/compatibility" xmlns:p14="http://schemas.microsoft.com/office/powerpoint/2010/main" xmlns:p15="http://schemas.microsoft.com/office/powerpoint/2012/main" xmlns:ahyp="http://schemas.microsoft.com/office/drawing/2018/hyperlinkcolor">
   <p:cSld>
+    <p:bg>
+      <p:bgPr>
+        <a:solidFill>
+          <a:schemeClr val="lt1"/>
+        </a:solidFill>
+      </p:bgPr>
+    </p:bg>
     <p:spTree>
       <p:nvGrpSpPr>
-        <p:cNvPr id="596" name="Shape 596"/>
+        <p:cNvPr id="595" name="Shape 595"/>
         <p:cNvGrpSpPr/>
         <p:nvPr/>
       </p:nvGrpSpPr>
@@ -30047,7 +30216,7 @@
       </p:grpSpPr>
       <p:sp>
         <p:nvSpPr>
-          <p:cNvPr id="597" name="Google Shape;597;p70"/>
+          <p:cNvPr id="596" name="Google Shape;596;p70"/>
           <p:cNvSpPr txBox="1"/>
           <p:nvPr>
             <p:ph type="title"/>
@@ -30079,7 +30248,7 @@
             </a:pPr>
             <a:r>
               <a:rPr lang="en-GB"/>
-              <a:t>Now Under a Microscope!</a:t>
+              <a:t>Well, How’s It Work???</a:t>
             </a:r>
             <a:endParaRPr/>
           </a:p>
@@ -30087,7 +30256,7 @@
       </p:sp>
       <p:sp>
         <p:nvSpPr>
-          <p:cNvPr id="598" name="Google Shape;598;p70"/>
+          <p:cNvPr id="597" name="Google Shape;597;p70"/>
           <p:cNvSpPr txBox="1"/>
           <p:nvPr>
             <p:ph idx="1" type="body"/>
@@ -30096,15 +30265,18 @@
         <p:spPr>
           <a:xfrm>
             <a:off x="311700" y="1152475"/>
-            <a:ext cx="4260300" cy="3416400"/>
-          </a:xfrm>
-          <a:prstGeom prst="rect">
-            <a:avLst/>
-          </a:prstGeom>
+            <a:ext cx="4632900" cy="3416400"/>
+          </a:xfrm>
+          <a:prstGeom prst="rect">
+            <a:avLst/>
+          </a:prstGeom>
+          <a:solidFill>
+            <a:schemeClr val="lt1"/>
+          </a:solidFill>
         </p:spPr>
         <p:txBody>
           <a:bodyPr anchorCtr="0" anchor="t" bIns="91425" lIns="91425" spcFirstLastPara="1" rIns="91425" wrap="square" tIns="91425">
-            <a:normAutofit/>
+            <a:normAutofit lnSpcReduction="10000"/>
           </a:bodyPr>
           <a:lstStyle/>
           <a:p>
@@ -30119,11 +30291,7 @@
             </a:pPr>
             <a:r>
               <a:rPr lang="en-GB"/>
-              <a:t>A </a:t>
-            </a:r>
-            <a:r>
-              <a:rPr lang="en-GB"/>
-              <a:t>quick look at the class diagram shows us just how the enemies will be derived from the enemy library and then modified to fit the current gamestage.</a:t>
+              <a:t>When the Level Generator(Jacob) makes a request for a new enemy to be placed, the Enemy Generator will pull a random enemy from the library, where it will then modify the objects stats based on the current difficulty level, I.E. health, damage, etc, and return a uniquely modified enemy back to the level generator for placement within the game.</a:t>
             </a:r>
             <a:endParaRPr/>
           </a:p>
@@ -30139,7 +30307,7 @@
             </a:pPr>
             <a:r>
               <a:rPr lang="en-GB"/>
-              <a:t>With Bosses serving as a subclass of the Enemy class, they can be easily modified and prepped for spawn in the same manner</a:t>
+              <a:t>This can also be done with bosses when specified.</a:t>
             </a:r>
             <a:endParaRPr/>
           </a:p>
@@ -30147,7 +30315,7 @@
       </p:sp>
       <p:pic>
         <p:nvPicPr>
-          <p:cNvPr id="599" name="Google Shape;599;p70"/>
+          <p:cNvPr id="598" name="Google Shape;598;p70"/>
           <p:cNvPicPr preferRelativeResize="0"/>
           <p:nvPr/>
         </p:nvPicPr>
@@ -30161,8 +30329,8 @@
         </p:blipFill>
         <p:spPr>
           <a:xfrm>
-            <a:off x="4572000" y="1152475"/>
-            <a:ext cx="4572000" cy="3416400"/>
+            <a:off x="8641726" y="0"/>
+            <a:ext cx="502277" cy="502027"/>
           </a:xfrm>
           <a:prstGeom prst="rect">
             <a:avLst/>
@@ -30175,7 +30343,7 @@
       </p:pic>
       <p:pic>
         <p:nvPicPr>
-          <p:cNvPr id="600" name="Google Shape;600;p70"/>
+          <p:cNvPr id="599" name="Google Shape;599;p70"/>
           <p:cNvPicPr preferRelativeResize="0"/>
           <p:nvPr/>
         </p:nvPicPr>
@@ -30189,8 +30357,8 @@
         </p:blipFill>
         <p:spPr>
           <a:xfrm>
-            <a:off x="8641726" y="0"/>
-            <a:ext cx="502277" cy="502027"/>
+            <a:off x="4944600" y="1017725"/>
+            <a:ext cx="4199399" cy="3551150"/>
           </a:xfrm>
           <a:prstGeom prst="rect">
             <a:avLst/>
@@ -30201,6 +30369,56 @@
           </a:ln>
         </p:spPr>
       </p:pic>
+      <p:sp>
+        <p:nvSpPr>
+          <p:cNvPr id="600" name="Google Shape;600;p70"/>
+          <p:cNvSpPr txBox="1"/>
+          <p:nvPr/>
+        </p:nvSpPr>
+        <p:spPr>
+          <a:xfrm>
+            <a:off x="7552500" y="-12"/>
+            <a:ext cx="1591500" cy="461700"/>
+          </a:xfrm>
+          <a:prstGeom prst="rect">
+            <a:avLst/>
+          </a:prstGeom>
+          <a:noFill/>
+          <a:ln>
+            <a:noFill/>
+          </a:ln>
+        </p:spPr>
+        <p:txBody>
+          <a:bodyPr anchorCtr="0" anchor="t" bIns="91425" lIns="91425" spcFirstLastPara="1" rIns="91425" wrap="square" tIns="91425">
+            <a:spAutoFit/>
+          </a:bodyPr>
+          <a:lstStyle/>
+          <a:p>
+            <a:pPr indent="0" lvl="0" marL="0" rtl="0" algn="l">
+              <a:spcBef>
+                <a:spcPts val="0"/>
+              </a:spcBef>
+              <a:spcAft>
+                <a:spcPts val="0"/>
+              </a:spcAft>
+              <a:buNone/>
+            </a:pPr>
+            <a:r>
+              <a:rPr lang="en-GB" sz="1800">
+                <a:solidFill>
+                  <a:schemeClr val="lt2"/>
+                </a:solidFill>
+              </a:rPr>
+              <a:t>Caleb C.</a:t>
+            </a:r>
+            <a:endParaRPr sz="1800">
+              <a:solidFill>
+                <a:schemeClr val="lt2"/>
+              </a:solidFill>
+            </a:endParaRPr>
+          </a:p>
+        </p:txBody>
+      </p:sp>
     </p:spTree>
   </p:cSld>
   <p:clrMapOvr>
@@ -30260,7 +30478,7 @@
             </a:pPr>
             <a:r>
               <a:rPr lang="en-GB"/>
-              <a:t>Joe - Sound Design</a:t>
+              <a:t>Now In Sequence!</a:t>
             </a:r>
             <a:endParaRPr/>
           </a:p>
@@ -30277,7 +30495,7 @@
         <p:spPr>
           <a:xfrm>
             <a:off x="311700" y="1152475"/>
-            <a:ext cx="8520600" cy="3416400"/>
+            <a:ext cx="4365900" cy="3416400"/>
           </a:xfrm>
           <a:prstGeom prst="rect">
             <a:avLst/>
@@ -30286,6 +30504,464 @@
         <p:txBody>
           <a:bodyPr anchorCtr="0" anchor="t" bIns="91425" lIns="91425" spcFirstLastPara="1" rIns="91425" wrap="square" tIns="91425">
             <a:normAutofit/>
+          </a:bodyPr>
+          <a:lstStyle/>
+          <a:p>
+            <a:pPr indent="0" lvl="0" marL="0" rtl="0" algn="l">
+              <a:spcBef>
+                <a:spcPts val="0"/>
+              </a:spcBef>
+              <a:spcAft>
+                <a:spcPts val="0"/>
+              </a:spcAft>
+              <a:buNone/>
+            </a:pPr>
+            <a:r>
+              <a:rPr lang="en-GB"/>
+              <a:t>Another way of looking at it from our sequence diagram. The flow of data is fairly straightforward, making this process fast and efficient. The level generator makes a request, the enemy generator finds a new enemy, it modifies the new enemy’s stats, and the sends it right back to the level generator.</a:t>
+            </a:r>
+            <a:endParaRPr/>
+          </a:p>
+          <a:p>
+            <a:pPr indent="0" lvl="0" marL="0" rtl="0" algn="l">
+              <a:spcBef>
+                <a:spcPts val="1200"/>
+              </a:spcBef>
+              <a:spcAft>
+                <a:spcPts val="1200"/>
+              </a:spcAft>
+              <a:buNone/>
+            </a:pPr>
+            <a:r>
+              <a:rPr lang="en-GB"/>
+              <a:t>Simple, but effective!</a:t>
+            </a:r>
+            <a:endParaRPr/>
+          </a:p>
+        </p:txBody>
+      </p:sp>
+      <p:pic>
+        <p:nvPicPr>
+          <p:cNvPr id="607" name="Google Shape;607;p71"/>
+          <p:cNvPicPr preferRelativeResize="0"/>
+          <p:nvPr/>
+        </p:nvPicPr>
+        <p:blipFill>
+          <a:blip r:embed="rId3">
+            <a:alphaModFix/>
+          </a:blip>
+          <a:stretch>
+            <a:fillRect/>
+          </a:stretch>
+        </p:blipFill>
+        <p:spPr>
+          <a:xfrm>
+            <a:off x="8641726" y="0"/>
+            <a:ext cx="502277" cy="502027"/>
+          </a:xfrm>
+          <a:prstGeom prst="rect">
+            <a:avLst/>
+          </a:prstGeom>
+          <a:noFill/>
+          <a:ln>
+            <a:noFill/>
+          </a:ln>
+        </p:spPr>
+      </p:pic>
+      <p:pic>
+        <p:nvPicPr>
+          <p:cNvPr id="608" name="Google Shape;608;p71"/>
+          <p:cNvPicPr preferRelativeResize="0"/>
+          <p:nvPr/>
+        </p:nvPicPr>
+        <p:blipFill>
+          <a:blip r:embed="rId4">
+            <a:alphaModFix/>
+          </a:blip>
+          <a:stretch>
+            <a:fillRect/>
+          </a:stretch>
+        </p:blipFill>
+        <p:spPr>
+          <a:xfrm>
+            <a:off x="4677600" y="1152475"/>
+            <a:ext cx="4466399" cy="3416400"/>
+          </a:xfrm>
+          <a:prstGeom prst="rect">
+            <a:avLst/>
+          </a:prstGeom>
+          <a:noFill/>
+          <a:ln>
+            <a:noFill/>
+          </a:ln>
+        </p:spPr>
+      </p:pic>
+      <p:sp>
+        <p:nvSpPr>
+          <p:cNvPr id="609" name="Google Shape;609;p71"/>
+          <p:cNvSpPr txBox="1"/>
+          <p:nvPr/>
+        </p:nvSpPr>
+        <p:spPr>
+          <a:xfrm>
+            <a:off x="7581000" y="20163"/>
+            <a:ext cx="1563000" cy="461700"/>
+          </a:xfrm>
+          <a:prstGeom prst="rect">
+            <a:avLst/>
+          </a:prstGeom>
+          <a:noFill/>
+          <a:ln>
+            <a:noFill/>
+          </a:ln>
+        </p:spPr>
+        <p:txBody>
+          <a:bodyPr anchorCtr="0" anchor="t" bIns="91425" lIns="91425" spcFirstLastPara="1" rIns="91425" wrap="square" tIns="91425">
+            <a:spAutoFit/>
+          </a:bodyPr>
+          <a:lstStyle/>
+          <a:p>
+            <a:pPr indent="0" lvl="0" marL="0" rtl="0" algn="l">
+              <a:spcBef>
+                <a:spcPts val="0"/>
+              </a:spcBef>
+              <a:spcAft>
+                <a:spcPts val="0"/>
+              </a:spcAft>
+              <a:buNone/>
+            </a:pPr>
+            <a:r>
+              <a:rPr lang="en-GB" sz="1800">
+                <a:solidFill>
+                  <a:schemeClr val="lt2"/>
+                </a:solidFill>
+              </a:rPr>
+              <a:t>Caleb C.</a:t>
+            </a:r>
+            <a:endParaRPr sz="1800">
+              <a:solidFill>
+                <a:schemeClr val="lt2"/>
+              </a:solidFill>
+            </a:endParaRPr>
+          </a:p>
+        </p:txBody>
+      </p:sp>
+    </p:spTree>
+  </p:cSld>
+  <p:clrMapOvr>
+    <a:masterClrMapping/>
+  </p:clrMapOvr>
+</p:sld>
+</file>
+
+<file path=ppt/slides/slide47.xml><?xml version="1.0" encoding="utf-8"?>
+<p:sld xmlns:a="http://schemas.openxmlformats.org/drawingml/2006/main" xmlns:r="http://schemas.openxmlformats.org/officeDocument/2006/relationships" xmlns:mc="http://schemas.openxmlformats.org/markup-compatibility/2006" xmlns:mv="urn:schemas-microsoft-com:mac:vml" xmlns:p="http://schemas.openxmlformats.org/presentationml/2006/main" xmlns:c="http://schemas.openxmlformats.org/drawingml/2006/chart" xmlns:dgm="http://schemas.openxmlformats.org/drawingml/2006/diagram" xmlns:o="urn:schemas-microsoft-com:office:office" xmlns:v="urn:schemas-microsoft-com:vml" xmlns:pvml="urn:schemas-microsoft-com:office:powerpoint" xmlns:com="http://schemas.openxmlformats.org/drawingml/2006/compatibility" xmlns:p14="http://schemas.microsoft.com/office/powerpoint/2010/main" xmlns:p15="http://schemas.microsoft.com/office/powerpoint/2012/main" xmlns:ahyp="http://schemas.microsoft.com/office/drawing/2018/hyperlinkcolor">
+  <p:cSld>
+    <p:spTree>
+      <p:nvGrpSpPr>
+        <p:cNvPr id="613" name="Shape 613"/>
+        <p:cNvGrpSpPr/>
+        <p:nvPr/>
+      </p:nvGrpSpPr>
+      <p:grpSpPr>
+        <a:xfrm>
+          <a:off x="0" y="0"/>
+          <a:ext cx="0" cy="0"/>
+          <a:chOff x="0" y="0"/>
+          <a:chExt cx="0" cy="0"/>
+        </a:xfrm>
+      </p:grpSpPr>
+      <p:sp>
+        <p:nvSpPr>
+          <p:cNvPr id="614" name="Google Shape;614;p72"/>
+          <p:cNvSpPr txBox="1"/>
+          <p:nvPr>
+            <p:ph type="title"/>
+          </p:nvPr>
+        </p:nvSpPr>
+        <p:spPr>
+          <a:xfrm>
+            <a:off x="311700" y="445025"/>
+            <a:ext cx="8520600" cy="572700"/>
+          </a:xfrm>
+          <a:prstGeom prst="rect">
+            <a:avLst/>
+          </a:prstGeom>
+        </p:spPr>
+        <p:txBody>
+          <a:bodyPr anchorCtr="0" anchor="t" bIns="91425" lIns="91425" spcFirstLastPara="1" rIns="91425" wrap="square" tIns="91425">
+            <a:normAutofit fontScale="90000"/>
+          </a:bodyPr>
+          <a:lstStyle/>
+          <a:p>
+            <a:pPr indent="0" lvl="0" marL="0" rtl="0" algn="l">
+              <a:spcBef>
+                <a:spcPts val="0"/>
+              </a:spcBef>
+              <a:spcAft>
+                <a:spcPts val="0"/>
+              </a:spcAft>
+              <a:buNone/>
+            </a:pPr>
+            <a:r>
+              <a:rPr lang="en-GB"/>
+              <a:t>Now Under a Microscope!</a:t>
+            </a:r>
+            <a:endParaRPr/>
+          </a:p>
+        </p:txBody>
+      </p:sp>
+      <p:sp>
+        <p:nvSpPr>
+          <p:cNvPr id="615" name="Google Shape;615;p72"/>
+          <p:cNvSpPr txBox="1"/>
+          <p:nvPr>
+            <p:ph idx="1" type="body"/>
+          </p:nvPr>
+        </p:nvSpPr>
+        <p:spPr>
+          <a:xfrm>
+            <a:off x="311700" y="1152475"/>
+            <a:ext cx="4260300" cy="3416400"/>
+          </a:xfrm>
+          <a:prstGeom prst="rect">
+            <a:avLst/>
+          </a:prstGeom>
+        </p:spPr>
+        <p:txBody>
+          <a:bodyPr anchorCtr="0" anchor="t" bIns="91425" lIns="91425" spcFirstLastPara="1" rIns="91425" wrap="square" tIns="91425">
+            <a:normAutofit/>
+          </a:bodyPr>
+          <a:lstStyle/>
+          <a:p>
+            <a:pPr indent="0" lvl="0" marL="0" rtl="0" algn="l">
+              <a:spcBef>
+                <a:spcPts val="0"/>
+              </a:spcBef>
+              <a:spcAft>
+                <a:spcPts val="0"/>
+              </a:spcAft>
+              <a:buNone/>
+            </a:pPr>
+            <a:r>
+              <a:rPr lang="en-GB"/>
+              <a:t>A </a:t>
+            </a:r>
+            <a:r>
+              <a:rPr lang="en-GB"/>
+              <a:t>quick look at the class diagram shows us just how the enemies will be derived from the enemy library and then modified to fit the current gamestage.</a:t>
+            </a:r>
+            <a:endParaRPr/>
+          </a:p>
+          <a:p>
+            <a:pPr indent="0" lvl="0" marL="0" rtl="0" algn="l">
+              <a:spcBef>
+                <a:spcPts val="1200"/>
+              </a:spcBef>
+              <a:spcAft>
+                <a:spcPts val="1200"/>
+              </a:spcAft>
+              <a:buNone/>
+            </a:pPr>
+            <a:r>
+              <a:rPr lang="en-GB"/>
+              <a:t>With Bosses serving as a subclass of the Enemy class, they can be easily modified and prepped for spawn in the same manner</a:t>
+            </a:r>
+            <a:endParaRPr/>
+          </a:p>
+        </p:txBody>
+      </p:sp>
+      <p:pic>
+        <p:nvPicPr>
+          <p:cNvPr id="616" name="Google Shape;616;p72"/>
+          <p:cNvPicPr preferRelativeResize="0"/>
+          <p:nvPr/>
+        </p:nvPicPr>
+        <p:blipFill>
+          <a:blip r:embed="rId3">
+            <a:alphaModFix/>
+          </a:blip>
+          <a:stretch>
+            <a:fillRect/>
+          </a:stretch>
+        </p:blipFill>
+        <p:spPr>
+          <a:xfrm>
+            <a:off x="4572000" y="1152475"/>
+            <a:ext cx="4572000" cy="3416400"/>
+          </a:xfrm>
+          <a:prstGeom prst="rect">
+            <a:avLst/>
+          </a:prstGeom>
+          <a:noFill/>
+          <a:ln>
+            <a:noFill/>
+          </a:ln>
+        </p:spPr>
+      </p:pic>
+      <p:pic>
+        <p:nvPicPr>
+          <p:cNvPr id="617" name="Google Shape;617;p72"/>
+          <p:cNvPicPr preferRelativeResize="0"/>
+          <p:nvPr/>
+        </p:nvPicPr>
+        <p:blipFill>
+          <a:blip r:embed="rId4">
+            <a:alphaModFix/>
+          </a:blip>
+          <a:stretch>
+            <a:fillRect/>
+          </a:stretch>
+        </p:blipFill>
+        <p:spPr>
+          <a:xfrm>
+            <a:off x="8641726" y="0"/>
+            <a:ext cx="502277" cy="502027"/>
+          </a:xfrm>
+          <a:prstGeom prst="rect">
+            <a:avLst/>
+          </a:prstGeom>
+          <a:noFill/>
+          <a:ln>
+            <a:noFill/>
+          </a:ln>
+        </p:spPr>
+      </p:pic>
+      <p:sp>
+        <p:nvSpPr>
+          <p:cNvPr id="618" name="Google Shape;618;p72"/>
+          <p:cNvSpPr txBox="1"/>
+          <p:nvPr/>
+        </p:nvSpPr>
+        <p:spPr>
+          <a:xfrm>
+            <a:off x="7530550" y="20175"/>
+            <a:ext cx="1613400" cy="461700"/>
+          </a:xfrm>
+          <a:prstGeom prst="rect">
+            <a:avLst/>
+          </a:prstGeom>
+          <a:noFill/>
+          <a:ln>
+            <a:noFill/>
+          </a:ln>
+        </p:spPr>
+        <p:txBody>
+          <a:bodyPr anchorCtr="0" anchor="t" bIns="91425" lIns="91425" spcFirstLastPara="1" rIns="91425" wrap="square" tIns="91425">
+            <a:spAutoFit/>
+          </a:bodyPr>
+          <a:lstStyle/>
+          <a:p>
+            <a:pPr indent="0" lvl="0" marL="0" rtl="0" algn="l">
+              <a:spcBef>
+                <a:spcPts val="0"/>
+              </a:spcBef>
+              <a:spcAft>
+                <a:spcPts val="0"/>
+              </a:spcAft>
+              <a:buNone/>
+            </a:pPr>
+            <a:r>
+              <a:rPr lang="en-GB" sz="1800">
+                <a:solidFill>
+                  <a:schemeClr val="lt2"/>
+                </a:solidFill>
+              </a:rPr>
+              <a:t>Caleb C.</a:t>
+            </a:r>
+            <a:endParaRPr sz="1800">
+              <a:solidFill>
+                <a:schemeClr val="lt2"/>
+              </a:solidFill>
+            </a:endParaRPr>
+          </a:p>
+        </p:txBody>
+      </p:sp>
+    </p:spTree>
+  </p:cSld>
+  <p:clrMapOvr>
+    <a:masterClrMapping/>
+  </p:clrMapOvr>
+</p:sld>
+</file>
+
+<file path=ppt/slides/slide48.xml><?xml version="1.0" encoding="utf-8"?>
+<p:sld xmlns:a="http://schemas.openxmlformats.org/drawingml/2006/main" xmlns:r="http://schemas.openxmlformats.org/officeDocument/2006/relationships" xmlns:mc="http://schemas.openxmlformats.org/markup-compatibility/2006" xmlns:mv="urn:schemas-microsoft-com:mac:vml" xmlns:p="http://schemas.openxmlformats.org/presentationml/2006/main" xmlns:c="http://schemas.openxmlformats.org/drawingml/2006/chart" xmlns:dgm="http://schemas.openxmlformats.org/drawingml/2006/diagram" xmlns:o="urn:schemas-microsoft-com:office:office" xmlns:v="urn:schemas-microsoft-com:vml" xmlns:pvml="urn:schemas-microsoft-com:office:powerpoint" xmlns:com="http://schemas.openxmlformats.org/drawingml/2006/compatibility" xmlns:p14="http://schemas.microsoft.com/office/powerpoint/2010/main" xmlns:p15="http://schemas.microsoft.com/office/powerpoint/2012/main" xmlns:ahyp="http://schemas.microsoft.com/office/drawing/2018/hyperlinkcolor">
+  <p:cSld>
+    <p:spTree>
+      <p:nvGrpSpPr>
+        <p:cNvPr id="622" name="Shape 622"/>
+        <p:cNvGrpSpPr/>
+        <p:nvPr/>
+      </p:nvGrpSpPr>
+      <p:grpSpPr>
+        <a:xfrm>
+          <a:off x="0" y="0"/>
+          <a:ext cx="0" cy="0"/>
+          <a:chOff x="0" y="0"/>
+          <a:chExt cx="0" cy="0"/>
+        </a:xfrm>
+      </p:grpSpPr>
+      <p:sp>
+        <p:nvSpPr>
+          <p:cNvPr id="623" name="Google Shape;623;p73"/>
+          <p:cNvSpPr txBox="1"/>
+          <p:nvPr>
+            <p:ph type="title"/>
+          </p:nvPr>
+        </p:nvSpPr>
+        <p:spPr>
+          <a:xfrm>
+            <a:off x="311700" y="445025"/>
+            <a:ext cx="8520600" cy="572700"/>
+          </a:xfrm>
+          <a:prstGeom prst="rect">
+            <a:avLst/>
+          </a:prstGeom>
+        </p:spPr>
+        <p:txBody>
+          <a:bodyPr anchorCtr="0" anchor="t" bIns="91425" lIns="91425" spcFirstLastPara="1" rIns="91425" wrap="square" tIns="91425">
+            <a:normAutofit fontScale="90000"/>
+          </a:bodyPr>
+          <a:lstStyle/>
+          <a:p>
+            <a:pPr indent="0" lvl="0" marL="0" rtl="0" algn="l">
+              <a:spcBef>
+                <a:spcPts val="0"/>
+              </a:spcBef>
+              <a:spcAft>
+                <a:spcPts val="0"/>
+              </a:spcAft>
+              <a:buNone/>
+            </a:pPr>
+            <a:r>
+              <a:rPr lang="en-GB"/>
+              <a:t>Joe - Sound Design</a:t>
+            </a:r>
+            <a:endParaRPr/>
+          </a:p>
+        </p:txBody>
+      </p:sp>
+      <p:sp>
+        <p:nvSpPr>
+          <p:cNvPr id="624" name="Google Shape;624;p73"/>
+          <p:cNvSpPr txBox="1"/>
+          <p:nvPr>
+            <p:ph idx="1" type="body"/>
+          </p:nvPr>
+        </p:nvSpPr>
+        <p:spPr>
+          <a:xfrm>
+            <a:off x="311700" y="1152475"/>
+            <a:ext cx="8520600" cy="3416400"/>
+          </a:xfrm>
+          <a:prstGeom prst="rect">
+            <a:avLst/>
+          </a:prstGeom>
+        </p:spPr>
+        <p:txBody>
+          <a:bodyPr anchorCtr="0" anchor="t" bIns="91425" lIns="91425" spcFirstLastPara="1" rIns="91425" wrap="square" tIns="91425">
+            <a:normAutofit lnSpcReduction="20000"/>
           </a:bodyPr>
           <a:lstStyle/>
           <a:p>
@@ -30317,6 +30993,62 @@
             <a:r>
               <a:rPr lang="en-GB"/>
               <a:t>Complexity: Medium</a:t>
+            </a:r>
+            <a:endParaRPr/>
+          </a:p>
+          <a:p>
+            <a:pPr indent="0" lvl="0" marL="0" rtl="0" algn="l">
+              <a:spcBef>
+                <a:spcPts val="1200"/>
+              </a:spcBef>
+              <a:spcAft>
+                <a:spcPts val="0"/>
+              </a:spcAft>
+              <a:buNone/>
+            </a:pPr>
+            <a:r>
+              <a:rPr lang="en-GB"/>
+              <a:t>Feature Description:</a:t>
+            </a:r>
+            <a:endParaRPr/>
+          </a:p>
+          <a:p>
+            <a:pPr indent="0" lvl="0" marL="0" rtl="0" algn="l">
+              <a:spcBef>
+                <a:spcPts val="1200"/>
+              </a:spcBef>
+              <a:spcAft>
+                <a:spcPts val="0"/>
+              </a:spcAft>
+              <a:buNone/>
+            </a:pPr>
+            <a:r>
+              <a:rPr lang="en-GB"/>
+              <a:t>	Sound manager allows different types of sounds to be called uniformly and easily. Sound contributes to every part of the game and must be able to be started/stopped at any point in the game. </a:t>
+            </a:r>
+            <a:r>
+              <a:rPr lang="en-GB"/>
+              <a:t>Aggregation</a:t>
+            </a:r>
+            <a:r>
+              <a:rPr lang="en-GB"/>
+              <a:t> is used to implement a pause feature.</a:t>
+            </a:r>
+            <a:endParaRPr/>
+          </a:p>
+          <a:p>
+            <a:pPr indent="0" lvl="0" marL="0" rtl="0" algn="l">
+              <a:spcBef>
+                <a:spcPts val="1200"/>
+              </a:spcBef>
+              <a:spcAft>
+                <a:spcPts val="0"/>
+              </a:spcAft>
+              <a:buNone/>
+            </a:pPr>
+            <a:r>
+              <a:rPr lang="en-GB"/>
+              <a:t>TL6: Porting the game.</a:t>
             </a:r>
             <a:endParaRPr/>
           </a:p>
@@ -30345,12 +31077,12 @@
 </p:sld>
 </file>
 
-<file path=ppt/slides/slide47.xml><?xml version="1.0" encoding="utf-8"?>
+<file path=ppt/slides/slide49.xml><?xml version="1.0" encoding="utf-8"?>
 <p:sld xmlns:a="http://schemas.openxmlformats.org/drawingml/2006/main" xmlns:r="http://schemas.openxmlformats.org/officeDocument/2006/relationships" xmlns:mc="http://schemas.openxmlformats.org/markup-compatibility/2006" xmlns:mv="urn:schemas-microsoft-com:mac:vml" xmlns:p="http://schemas.openxmlformats.org/presentationml/2006/main" xmlns:c="http://schemas.openxmlformats.org/drawingml/2006/chart" xmlns:dgm="http://schemas.openxmlformats.org/drawingml/2006/diagram" xmlns:o="urn:schemas-microsoft-com:office:office" xmlns:v="urn:schemas-microsoft-com:vml" xmlns:pvml="urn:schemas-microsoft-com:office:powerpoint" xmlns:com="http://schemas.openxmlformats.org/drawingml/2006/compatibility" xmlns:p14="http://schemas.microsoft.com/office/powerpoint/2010/main" xmlns:p15="http://schemas.microsoft.com/office/powerpoint/2012/main" xmlns:ahyp="http://schemas.microsoft.com/office/drawing/2018/hyperlinkcolor">
   <p:cSld>
     <p:spTree>
       <p:nvGrpSpPr>
-        <p:cNvPr id="610" name="Shape 610"/>
+        <p:cNvPr id="628" name="Shape 628"/>
         <p:cNvGrpSpPr/>
         <p:nvPr/>
       </p:nvGrpSpPr>
@@ -30364,7 +31096,7 @@
       </p:grpSpPr>
       <p:sp>
         <p:nvSpPr>
-          <p:cNvPr id="611" name="Google Shape;611;p72"/>
+          <p:cNvPr id="629" name="Google Shape;629;p74"/>
           <p:cNvSpPr txBox="1"/>
           <p:nvPr>
             <p:ph type="title"/>
@@ -30395,7 +31127,8 @@
               <a:buNone/>
             </a:pPr>
             <a:r>
-              <a:t/>
+              <a:rPr lang="en-GB"/>
+              <a:t>Joe - Sound Design</a:t>
             </a:r>
             <a:endParaRPr/>
           </a:p>
@@ -30403,7 +31136,7 @@
       </p:sp>
       <p:sp>
         <p:nvSpPr>
-          <p:cNvPr id="612" name="Google Shape;612;p72"/>
+          <p:cNvPr id="630" name="Google Shape;630;p74"/>
           <p:cNvSpPr txBox="1"/>
           <p:nvPr>
             <p:ph idx="1" type="body"/>
@@ -30442,7 +31175,7 @@
       </p:sp>
       <p:pic>
         <p:nvPicPr>
-          <p:cNvPr id="613" name="Google Shape;613;p72"/>
+          <p:cNvPr id="631" name="Google Shape;631;p74"/>
           <p:cNvPicPr preferRelativeResize="0"/>
           <p:nvPr/>
         </p:nvPicPr>
@@ -30456,8 +31189,8 @@
         </p:blipFill>
         <p:spPr>
           <a:xfrm>
-            <a:off x="1181150" y="188525"/>
-            <a:ext cx="6781701" cy="4766475"/>
+            <a:off x="8641726" y="0"/>
+            <a:ext cx="502277" cy="502027"/>
           </a:xfrm>
           <a:prstGeom prst="rect">
             <a:avLst/>
@@ -30470,7 +31203,7 @@
       </p:pic>
       <p:pic>
         <p:nvPicPr>
-          <p:cNvPr id="614" name="Google Shape;614;p72"/>
+          <p:cNvPr id="632" name="Google Shape;632;p74"/>
           <p:cNvPicPr preferRelativeResize="0"/>
           <p:nvPr/>
         </p:nvPicPr>
@@ -30484,8 +31217,8 @@
         </p:blipFill>
         <p:spPr>
           <a:xfrm>
-            <a:off x="8641726" y="0"/>
-            <a:ext cx="502277" cy="502027"/>
+            <a:off x="1742900" y="1017725"/>
+            <a:ext cx="5658199" cy="4019050"/>
           </a:xfrm>
           <a:prstGeom prst="rect">
             <a:avLst/>
@@ -30496,296 +31229,6 @@
           </a:ln>
         </p:spPr>
       </p:pic>
-      <p:pic>
-        <p:nvPicPr>
-          <p:cNvPr id="615" name="Google Shape;615;p72"/>
-          <p:cNvPicPr preferRelativeResize="0"/>
-          <p:nvPr/>
-        </p:nvPicPr>
-        <p:blipFill>
-          <a:blip r:embed="rId5">
-            <a:alphaModFix/>
-          </a:blip>
-          <a:stretch>
-            <a:fillRect/>
-          </a:stretch>
-        </p:blipFill>
-        <p:spPr>
-          <a:xfrm>
-            <a:off x="1042155" y="64463"/>
-            <a:ext cx="7059694" cy="5014574"/>
-          </a:xfrm>
-          <a:prstGeom prst="rect">
-            <a:avLst/>
-          </a:prstGeom>
-          <a:noFill/>
-          <a:ln>
-            <a:noFill/>
-          </a:ln>
-        </p:spPr>
-      </p:pic>
-    </p:spTree>
-  </p:cSld>
-  <p:clrMapOvr>
-    <a:masterClrMapping/>
-  </p:clrMapOvr>
-</p:sld>
-</file>
-
-<file path=ppt/slides/slide48.xml><?xml version="1.0" encoding="utf-8"?>
-<p:sld xmlns:a="http://schemas.openxmlformats.org/drawingml/2006/main" xmlns:r="http://schemas.openxmlformats.org/officeDocument/2006/relationships" xmlns:mc="http://schemas.openxmlformats.org/markup-compatibility/2006" xmlns:mv="urn:schemas-microsoft-com:mac:vml" xmlns:p="http://schemas.openxmlformats.org/presentationml/2006/main" xmlns:c="http://schemas.openxmlformats.org/drawingml/2006/chart" xmlns:dgm="http://schemas.openxmlformats.org/drawingml/2006/diagram" xmlns:o="urn:schemas-microsoft-com:office:office" xmlns:v="urn:schemas-microsoft-com:vml" xmlns:pvml="urn:schemas-microsoft-com:office:powerpoint" xmlns:com="http://schemas.openxmlformats.org/drawingml/2006/compatibility" xmlns:p14="http://schemas.microsoft.com/office/powerpoint/2010/main" xmlns:p15="http://schemas.microsoft.com/office/powerpoint/2012/main" xmlns:ahyp="http://schemas.microsoft.com/office/drawing/2018/hyperlinkcolor">
-  <p:cSld>
-    <p:spTree>
-      <p:nvGrpSpPr>
-        <p:cNvPr id="619" name="Shape 619"/>
-        <p:cNvGrpSpPr/>
-        <p:nvPr/>
-      </p:nvGrpSpPr>
-      <p:grpSpPr>
-        <a:xfrm>
-          <a:off x="0" y="0"/>
-          <a:ext cx="0" cy="0"/>
-          <a:chOff x="0" y="0"/>
-          <a:chExt cx="0" cy="0"/>
-        </a:xfrm>
-      </p:grpSpPr>
-      <p:sp>
-        <p:nvSpPr>
-          <p:cNvPr id="620" name="Google Shape;620;p73"/>
-          <p:cNvSpPr txBox="1"/>
-          <p:nvPr>
-            <p:ph type="title"/>
-          </p:nvPr>
-        </p:nvSpPr>
-        <p:spPr>
-          <a:xfrm>
-            <a:off x="311700" y="445025"/>
-            <a:ext cx="8520600" cy="572700"/>
-          </a:xfrm>
-          <a:prstGeom prst="rect">
-            <a:avLst/>
-          </a:prstGeom>
-        </p:spPr>
-        <p:txBody>
-          <a:bodyPr anchorCtr="0" anchor="t" bIns="91425" lIns="91425" spcFirstLastPara="1" rIns="91425" wrap="square" tIns="91425">
-            <a:normAutofit fontScale="90000"/>
-          </a:bodyPr>
-          <a:lstStyle/>
-          <a:p>
-            <a:pPr indent="0" lvl="0" marL="0" rtl="0" algn="l">
-              <a:spcBef>
-                <a:spcPts val="0"/>
-              </a:spcBef>
-              <a:spcAft>
-                <a:spcPts val="0"/>
-              </a:spcAft>
-              <a:buNone/>
-            </a:pPr>
-            <a:r>
-              <a:t/>
-            </a:r>
-            <a:endParaRPr/>
-          </a:p>
-        </p:txBody>
-      </p:sp>
-      <p:sp>
-        <p:nvSpPr>
-          <p:cNvPr id="621" name="Google Shape;621;p73"/>
-          <p:cNvSpPr txBox="1"/>
-          <p:nvPr>
-            <p:ph idx="1" type="body"/>
-          </p:nvPr>
-        </p:nvSpPr>
-        <p:spPr>
-          <a:xfrm>
-            <a:off x="311700" y="1152475"/>
-            <a:ext cx="8520600" cy="3416400"/>
-          </a:xfrm>
-          <a:prstGeom prst="rect">
-            <a:avLst/>
-          </a:prstGeom>
-        </p:spPr>
-        <p:txBody>
-          <a:bodyPr anchorCtr="0" anchor="t" bIns="91425" lIns="91425" spcFirstLastPara="1" rIns="91425" wrap="square" tIns="91425">
-            <a:normAutofit/>
-          </a:bodyPr>
-          <a:lstStyle/>
-          <a:p>
-            <a:pPr indent="0" lvl="0" marL="0" rtl="0" algn="l">
-              <a:spcBef>
-                <a:spcPts val="0"/>
-              </a:spcBef>
-              <a:spcAft>
-                <a:spcPts val="1200"/>
-              </a:spcAft>
-              <a:buNone/>
-            </a:pPr>
-            <a:r>
-              <a:t/>
-            </a:r>
-            <a:endParaRPr/>
-          </a:p>
-        </p:txBody>
-      </p:sp>
-      <p:pic>
-        <p:nvPicPr>
-          <p:cNvPr id="622" name="Google Shape;622;p73"/>
-          <p:cNvPicPr preferRelativeResize="0"/>
-          <p:nvPr/>
-        </p:nvPicPr>
-        <p:blipFill>
-          <a:blip r:embed="rId3">
-            <a:alphaModFix/>
-          </a:blip>
-          <a:stretch>
-            <a:fillRect/>
-          </a:stretch>
-        </p:blipFill>
-        <p:spPr>
-          <a:xfrm>
-            <a:off x="909863" y="0"/>
-            <a:ext cx="7324275" cy="5143500"/>
-          </a:xfrm>
-          <a:prstGeom prst="rect">
-            <a:avLst/>
-          </a:prstGeom>
-          <a:noFill/>
-          <a:ln>
-            <a:noFill/>
-          </a:ln>
-        </p:spPr>
-      </p:pic>
-      <p:pic>
-        <p:nvPicPr>
-          <p:cNvPr id="623" name="Google Shape;623;p73"/>
-          <p:cNvPicPr preferRelativeResize="0"/>
-          <p:nvPr/>
-        </p:nvPicPr>
-        <p:blipFill>
-          <a:blip r:embed="rId4">
-            <a:alphaModFix/>
-          </a:blip>
-          <a:stretch>
-            <a:fillRect/>
-          </a:stretch>
-        </p:blipFill>
-        <p:spPr>
-          <a:xfrm>
-            <a:off x="8641726" y="0"/>
-            <a:ext cx="502277" cy="502027"/>
-          </a:xfrm>
-          <a:prstGeom prst="rect">
-            <a:avLst/>
-          </a:prstGeom>
-          <a:noFill/>
-          <a:ln>
-            <a:noFill/>
-          </a:ln>
-        </p:spPr>
-      </p:pic>
-    </p:spTree>
-  </p:cSld>
-  <p:clrMapOvr>
-    <a:masterClrMapping/>
-  </p:clrMapOvr>
-</p:sld>
-</file>
-
-<file path=ppt/slides/slide49.xml><?xml version="1.0" encoding="utf-8"?>
-<p:sld xmlns:a="http://schemas.openxmlformats.org/drawingml/2006/main" xmlns:r="http://schemas.openxmlformats.org/officeDocument/2006/relationships" xmlns:mc="http://schemas.openxmlformats.org/markup-compatibility/2006" xmlns:mv="urn:schemas-microsoft-com:mac:vml" xmlns:p="http://schemas.openxmlformats.org/presentationml/2006/main" xmlns:c="http://schemas.openxmlformats.org/drawingml/2006/chart" xmlns:dgm="http://schemas.openxmlformats.org/drawingml/2006/diagram" xmlns:o="urn:schemas-microsoft-com:office:office" xmlns:v="urn:schemas-microsoft-com:vml" xmlns:pvml="urn:schemas-microsoft-com:office:powerpoint" xmlns:com="http://schemas.openxmlformats.org/drawingml/2006/compatibility" xmlns:p14="http://schemas.microsoft.com/office/powerpoint/2010/main" xmlns:p15="http://schemas.microsoft.com/office/powerpoint/2012/main" xmlns:ahyp="http://schemas.microsoft.com/office/drawing/2018/hyperlinkcolor">
-  <p:cSld>
-    <p:spTree>
-      <p:nvGrpSpPr>
-        <p:cNvPr id="627" name="Shape 627"/>
-        <p:cNvGrpSpPr/>
-        <p:nvPr/>
-      </p:nvGrpSpPr>
-      <p:grpSpPr>
-        <a:xfrm>
-          <a:off x="0" y="0"/>
-          <a:ext cx="0" cy="0"/>
-          <a:chOff x="0" y="0"/>
-          <a:chExt cx="0" cy="0"/>
-        </a:xfrm>
-      </p:grpSpPr>
-      <p:sp>
-        <p:nvSpPr>
-          <p:cNvPr id="628" name="Google Shape;628;p74"/>
-          <p:cNvSpPr txBox="1"/>
-          <p:nvPr>
-            <p:ph type="title"/>
-          </p:nvPr>
-        </p:nvSpPr>
-        <p:spPr>
-          <a:xfrm>
-            <a:off x="311700" y="445025"/>
-            <a:ext cx="8520600" cy="572700"/>
-          </a:xfrm>
-          <a:prstGeom prst="rect">
-            <a:avLst/>
-          </a:prstGeom>
-        </p:spPr>
-        <p:txBody>
-          <a:bodyPr anchorCtr="0" anchor="t" bIns="91425" lIns="91425" spcFirstLastPara="1" rIns="91425" wrap="square" tIns="91425">
-            <a:normAutofit fontScale="90000"/>
-          </a:bodyPr>
-          <a:lstStyle/>
-          <a:p>
-            <a:pPr indent="0" lvl="0" marL="0" rtl="0" algn="l">
-              <a:spcBef>
-                <a:spcPts val="0"/>
-              </a:spcBef>
-              <a:spcAft>
-                <a:spcPts val="0"/>
-              </a:spcAft>
-              <a:buNone/>
-            </a:pPr>
-            <a:r>
-              <a:t/>
-            </a:r>
-            <a:endParaRPr/>
-          </a:p>
-        </p:txBody>
-      </p:sp>
-      <p:sp>
-        <p:nvSpPr>
-          <p:cNvPr id="629" name="Google Shape;629;p74"/>
-          <p:cNvSpPr txBox="1"/>
-          <p:nvPr>
-            <p:ph idx="1" type="body"/>
-          </p:nvPr>
-        </p:nvSpPr>
-        <p:spPr>
-          <a:xfrm>
-            <a:off x="311700" y="1152475"/>
-            <a:ext cx="8520600" cy="3416400"/>
-          </a:xfrm>
-          <a:prstGeom prst="rect">
-            <a:avLst/>
-          </a:prstGeom>
-        </p:spPr>
-        <p:txBody>
-          <a:bodyPr anchorCtr="0" anchor="t" bIns="91425" lIns="91425" spcFirstLastPara="1" rIns="91425" wrap="square" tIns="91425">
-            <a:normAutofit/>
-          </a:bodyPr>
-          <a:lstStyle/>
-          <a:p>
-            <a:pPr indent="0" lvl="0" marL="0" rtl="0" algn="l">
-              <a:spcBef>
-                <a:spcPts val="0"/>
-              </a:spcBef>
-              <a:spcAft>
-                <a:spcPts val="1200"/>
-              </a:spcAft>
-              <a:buNone/>
-            </a:pPr>
-            <a:r>
-              <a:t/>
-            </a:r>
-            <a:endParaRPr/>
-          </a:p>
-        </p:txBody>
-      </p:sp>
     </p:spTree>
   </p:cSld>
   <p:clrMapOvr>
@@ -31050,6 +31493,269 @@
           </a:ln>
         </p:spPr>
       </p:pic>
+    </p:spTree>
+  </p:cSld>
+  <p:clrMapOvr>
+    <a:masterClrMapping/>
+  </p:clrMapOvr>
+</p:sld>
+</file>
+
+<file path=ppt/slides/slide50.xml><?xml version="1.0" encoding="utf-8"?>
+<p:sld xmlns:a="http://schemas.openxmlformats.org/drawingml/2006/main" xmlns:r="http://schemas.openxmlformats.org/officeDocument/2006/relationships" xmlns:mc="http://schemas.openxmlformats.org/markup-compatibility/2006" xmlns:mv="urn:schemas-microsoft-com:mac:vml" xmlns:p="http://schemas.openxmlformats.org/presentationml/2006/main" xmlns:c="http://schemas.openxmlformats.org/drawingml/2006/chart" xmlns:dgm="http://schemas.openxmlformats.org/drawingml/2006/diagram" xmlns:o="urn:schemas-microsoft-com:office:office" xmlns:v="urn:schemas-microsoft-com:vml" xmlns:pvml="urn:schemas-microsoft-com:office:powerpoint" xmlns:com="http://schemas.openxmlformats.org/drawingml/2006/compatibility" xmlns:p14="http://schemas.microsoft.com/office/powerpoint/2010/main" xmlns:p15="http://schemas.microsoft.com/office/powerpoint/2012/main" xmlns:ahyp="http://schemas.microsoft.com/office/drawing/2018/hyperlinkcolor">
+  <p:cSld>
+    <p:spTree>
+      <p:nvGrpSpPr>
+        <p:cNvPr id="636" name="Shape 636"/>
+        <p:cNvGrpSpPr/>
+        <p:nvPr/>
+      </p:nvGrpSpPr>
+      <p:grpSpPr>
+        <a:xfrm>
+          <a:off x="0" y="0"/>
+          <a:ext cx="0" cy="0"/>
+          <a:chOff x="0" y="0"/>
+          <a:chExt cx="0" cy="0"/>
+        </a:xfrm>
+      </p:grpSpPr>
+      <p:sp>
+        <p:nvSpPr>
+          <p:cNvPr id="637" name="Google Shape;637;p75"/>
+          <p:cNvSpPr txBox="1"/>
+          <p:nvPr>
+            <p:ph type="title"/>
+          </p:nvPr>
+        </p:nvSpPr>
+        <p:spPr>
+          <a:xfrm>
+            <a:off x="311700" y="445025"/>
+            <a:ext cx="8520600" cy="572700"/>
+          </a:xfrm>
+          <a:prstGeom prst="rect">
+            <a:avLst/>
+          </a:prstGeom>
+        </p:spPr>
+        <p:txBody>
+          <a:bodyPr anchorCtr="0" anchor="t" bIns="91425" lIns="91425" spcFirstLastPara="1" rIns="91425" wrap="square" tIns="91425">
+            <a:normAutofit fontScale="90000"/>
+          </a:bodyPr>
+          <a:lstStyle/>
+          <a:p>
+            <a:pPr indent="0" lvl="0" marL="0" rtl="0" algn="l">
+              <a:spcBef>
+                <a:spcPts val="0"/>
+              </a:spcBef>
+              <a:spcAft>
+                <a:spcPts val="0"/>
+              </a:spcAft>
+              <a:buNone/>
+            </a:pPr>
+            <a:r>
+              <a:rPr lang="en-GB"/>
+              <a:t>Joe - Sound Design</a:t>
+            </a:r>
+            <a:endParaRPr/>
+          </a:p>
+        </p:txBody>
+      </p:sp>
+      <p:sp>
+        <p:nvSpPr>
+          <p:cNvPr id="638" name="Google Shape;638;p75"/>
+          <p:cNvSpPr txBox="1"/>
+          <p:nvPr>
+            <p:ph idx="1" type="body"/>
+          </p:nvPr>
+        </p:nvSpPr>
+        <p:spPr>
+          <a:xfrm>
+            <a:off x="311700" y="1152475"/>
+            <a:ext cx="8520600" cy="3416400"/>
+          </a:xfrm>
+          <a:prstGeom prst="rect">
+            <a:avLst/>
+          </a:prstGeom>
+        </p:spPr>
+        <p:txBody>
+          <a:bodyPr anchorCtr="0" anchor="t" bIns="91425" lIns="91425" spcFirstLastPara="1" rIns="91425" wrap="square" tIns="91425">
+            <a:normAutofit/>
+          </a:bodyPr>
+          <a:lstStyle/>
+          <a:p>
+            <a:pPr indent="0" lvl="0" marL="0" rtl="0" algn="l">
+              <a:spcBef>
+                <a:spcPts val="0"/>
+              </a:spcBef>
+              <a:spcAft>
+                <a:spcPts val="1200"/>
+              </a:spcAft>
+              <a:buNone/>
+            </a:pPr>
+            <a:r>
+              <a:t/>
+            </a:r>
+            <a:endParaRPr/>
+          </a:p>
+        </p:txBody>
+      </p:sp>
+      <p:pic>
+        <p:nvPicPr>
+          <p:cNvPr id="639" name="Google Shape;639;p75"/>
+          <p:cNvPicPr preferRelativeResize="0"/>
+          <p:nvPr/>
+        </p:nvPicPr>
+        <p:blipFill>
+          <a:blip r:embed="rId3">
+            <a:alphaModFix/>
+          </a:blip>
+          <a:stretch>
+            <a:fillRect/>
+          </a:stretch>
+        </p:blipFill>
+        <p:spPr>
+          <a:xfrm>
+            <a:off x="1694238" y="1017725"/>
+            <a:ext cx="5755526" cy="4041825"/>
+          </a:xfrm>
+          <a:prstGeom prst="rect">
+            <a:avLst/>
+          </a:prstGeom>
+          <a:noFill/>
+          <a:ln>
+            <a:noFill/>
+          </a:ln>
+        </p:spPr>
+      </p:pic>
+      <p:pic>
+        <p:nvPicPr>
+          <p:cNvPr id="640" name="Google Shape;640;p75"/>
+          <p:cNvPicPr preferRelativeResize="0"/>
+          <p:nvPr/>
+        </p:nvPicPr>
+        <p:blipFill>
+          <a:blip r:embed="rId4">
+            <a:alphaModFix/>
+          </a:blip>
+          <a:stretch>
+            <a:fillRect/>
+          </a:stretch>
+        </p:blipFill>
+        <p:spPr>
+          <a:xfrm>
+            <a:off x="8641726" y="0"/>
+            <a:ext cx="502277" cy="502027"/>
+          </a:xfrm>
+          <a:prstGeom prst="rect">
+            <a:avLst/>
+          </a:prstGeom>
+          <a:noFill/>
+          <a:ln>
+            <a:noFill/>
+          </a:ln>
+        </p:spPr>
+      </p:pic>
+    </p:spTree>
+  </p:cSld>
+  <p:clrMapOvr>
+    <a:masterClrMapping/>
+  </p:clrMapOvr>
+</p:sld>
+</file>
+
+<file path=ppt/slides/slide51.xml><?xml version="1.0" encoding="utf-8"?>
+<p:sld xmlns:a="http://schemas.openxmlformats.org/drawingml/2006/main" xmlns:r="http://schemas.openxmlformats.org/officeDocument/2006/relationships" xmlns:mc="http://schemas.openxmlformats.org/markup-compatibility/2006" xmlns:mv="urn:schemas-microsoft-com:mac:vml" xmlns:p="http://schemas.openxmlformats.org/presentationml/2006/main" xmlns:c="http://schemas.openxmlformats.org/drawingml/2006/chart" xmlns:dgm="http://schemas.openxmlformats.org/drawingml/2006/diagram" xmlns:o="urn:schemas-microsoft-com:office:office" xmlns:v="urn:schemas-microsoft-com:vml" xmlns:pvml="urn:schemas-microsoft-com:office:powerpoint" xmlns:com="http://schemas.openxmlformats.org/drawingml/2006/compatibility" xmlns:p14="http://schemas.microsoft.com/office/powerpoint/2010/main" xmlns:p15="http://schemas.microsoft.com/office/powerpoint/2012/main" xmlns:ahyp="http://schemas.microsoft.com/office/drawing/2018/hyperlinkcolor">
+  <p:cSld>
+    <p:spTree>
+      <p:nvGrpSpPr>
+        <p:cNvPr id="644" name="Shape 644"/>
+        <p:cNvGrpSpPr/>
+        <p:nvPr/>
+      </p:nvGrpSpPr>
+      <p:grpSpPr>
+        <a:xfrm>
+          <a:off x="0" y="0"/>
+          <a:ext cx="0" cy="0"/>
+          <a:chOff x="0" y="0"/>
+          <a:chExt cx="0" cy="0"/>
+        </a:xfrm>
+      </p:grpSpPr>
+      <p:sp>
+        <p:nvSpPr>
+          <p:cNvPr id="645" name="Google Shape;645;p76"/>
+          <p:cNvSpPr txBox="1"/>
+          <p:nvPr>
+            <p:ph type="title"/>
+          </p:nvPr>
+        </p:nvSpPr>
+        <p:spPr>
+          <a:xfrm>
+            <a:off x="311700" y="445025"/>
+            <a:ext cx="8520600" cy="572700"/>
+          </a:xfrm>
+          <a:prstGeom prst="rect">
+            <a:avLst/>
+          </a:prstGeom>
+        </p:spPr>
+        <p:txBody>
+          <a:bodyPr anchorCtr="0" anchor="t" bIns="91425" lIns="91425" spcFirstLastPara="1" rIns="91425" wrap="square" tIns="91425">
+            <a:normAutofit fontScale="90000"/>
+          </a:bodyPr>
+          <a:lstStyle/>
+          <a:p>
+            <a:pPr indent="0" lvl="0" marL="0" rtl="0" algn="l">
+              <a:spcBef>
+                <a:spcPts val="0"/>
+              </a:spcBef>
+              <a:spcAft>
+                <a:spcPts val="0"/>
+              </a:spcAft>
+              <a:buNone/>
+            </a:pPr>
+            <a:r>
+              <a:t/>
+            </a:r>
+            <a:endParaRPr/>
+          </a:p>
+        </p:txBody>
+      </p:sp>
+      <p:sp>
+        <p:nvSpPr>
+          <p:cNvPr id="646" name="Google Shape;646;p76"/>
+          <p:cNvSpPr txBox="1"/>
+          <p:nvPr>
+            <p:ph idx="1" type="body"/>
+          </p:nvPr>
+        </p:nvSpPr>
+        <p:spPr>
+          <a:xfrm>
+            <a:off x="311700" y="1152475"/>
+            <a:ext cx="8520600" cy="3416400"/>
+          </a:xfrm>
+          <a:prstGeom prst="rect">
+            <a:avLst/>
+          </a:prstGeom>
+        </p:spPr>
+        <p:txBody>
+          <a:bodyPr anchorCtr="0" anchor="t" bIns="91425" lIns="91425" spcFirstLastPara="1" rIns="91425" wrap="square" tIns="91425">
+            <a:normAutofit/>
+          </a:bodyPr>
+          <a:lstStyle/>
+          <a:p>
+            <a:pPr indent="0" lvl="0" marL="0" rtl="0" algn="l">
+              <a:spcBef>
+                <a:spcPts val="0"/>
+              </a:spcBef>
+              <a:spcAft>
+                <a:spcPts val="1200"/>
+              </a:spcAft>
+              <a:buNone/>
+            </a:pPr>
+            <a:r>
+              <a:t/>
+            </a:r>
+            <a:endParaRPr/>
+          </a:p>
+        </p:txBody>
+      </p:sp>
     </p:spTree>
   </p:cSld>
   <p:clrMapOvr>
@@ -32290,44 +32996,44 @@
 </file>
 
 <file path=ppt/theme/theme1.xml><?xml version="1.0" encoding="utf-8"?>
-<a:theme xmlns:a="http://schemas.openxmlformats.org/drawingml/2006/main" xmlns:r="http://schemas.openxmlformats.org/officeDocument/2006/relationships" name="Simple Dark">
+<a:theme xmlns:a="http://schemas.openxmlformats.org/drawingml/2006/main" xmlns:r="http://schemas.openxmlformats.org/officeDocument/2006/relationships" name="Office Theme">
   <a:themeElements>
-    <a:clrScheme name="Simple Dark">
+    <a:clrScheme name="Office">
       <a:dk1>
-        <a:srgbClr val="FFFFFF"/>
+        <a:srgbClr val="000000"/>
       </a:dk1>
       <a:lt1>
-        <a:srgbClr val="212121"/>
+        <a:srgbClr val="FFFFFF"/>
       </a:lt1>
       <a:dk2>
-        <a:srgbClr val="303030"/>
+        <a:srgbClr val="44546A"/>
       </a:dk2>
       <a:lt2>
-        <a:srgbClr val="ADADAD"/>
+        <a:srgbClr val="E7E6E6"/>
       </a:lt2>
       <a:accent1>
-        <a:srgbClr val="009688"/>
+        <a:srgbClr val="4472C4"/>
       </a:accent1>
       <a:accent2>
-        <a:srgbClr val="EEEEEE"/>
+        <a:srgbClr val="ED7D31"/>
       </a:accent2>
       <a:accent3>
-        <a:srgbClr val="78909C"/>
+        <a:srgbClr val="A5A5A5"/>
       </a:accent3>
       <a:accent4>
-        <a:srgbClr val="FFAB40"/>
+        <a:srgbClr val="FFC000"/>
       </a:accent4>
       <a:accent5>
-        <a:srgbClr val="4DD0E1"/>
+        <a:srgbClr val="5B9BD5"/>
       </a:accent5>
       <a:accent6>
-        <a:srgbClr val="EEFF41"/>
+        <a:srgbClr val="70AD47"/>
       </a:accent6>
       <a:hlink>
-        <a:srgbClr val="4DD0E1"/>
+        <a:srgbClr val="0563C1"/>
       </a:hlink>
       <a:folHlink>
-        <a:srgbClr val="4DD0E1"/>
+        <a:srgbClr val="954F72"/>
       </a:folHlink>
     </a:clrScheme>
     <a:fontScheme name="Office">
@@ -32569,44 +33275,44 @@
 </file>
 
 <file path=ppt/theme/theme2.xml><?xml version="1.0" encoding="utf-8"?>
-<a:theme xmlns:a="http://schemas.openxmlformats.org/drawingml/2006/main" xmlns:r="http://schemas.openxmlformats.org/officeDocument/2006/relationships" name="Office Theme">
+<a:theme xmlns:a="http://schemas.openxmlformats.org/drawingml/2006/main" xmlns:r="http://schemas.openxmlformats.org/officeDocument/2006/relationships" name="Simple Dark">
   <a:themeElements>
-    <a:clrScheme name="Office">
+    <a:clrScheme name="Simple Dark">
       <a:dk1>
-        <a:srgbClr val="000000"/>
+        <a:srgbClr val="FFFFFF"/>
       </a:dk1>
       <a:lt1>
-        <a:srgbClr val="FFFFFF"/>
+        <a:srgbClr val="212121"/>
       </a:lt1>
       <a:dk2>
-        <a:srgbClr val="44546A"/>
+        <a:srgbClr val="303030"/>
       </a:dk2>
       <a:lt2>
-        <a:srgbClr val="E7E6E6"/>
+        <a:srgbClr val="ADADAD"/>
       </a:lt2>
       <a:accent1>
-        <a:srgbClr val="4472C4"/>
+        <a:srgbClr val="009688"/>
       </a:accent1>
       <a:accent2>
-        <a:srgbClr val="ED7D31"/>
+        <a:srgbClr val="EEEEEE"/>
       </a:accent2>
       <a:accent3>
-        <a:srgbClr val="A5A5A5"/>
+        <a:srgbClr val="78909C"/>
       </a:accent3>
       <a:accent4>
-        <a:srgbClr val="FFC000"/>
+        <a:srgbClr val="FFAB40"/>
       </a:accent4>
       <a:accent5>
-        <a:srgbClr val="5B9BD5"/>
+        <a:srgbClr val="4DD0E1"/>
       </a:accent5>
       <a:accent6>
-        <a:srgbClr val="70AD47"/>
+        <a:srgbClr val="EEFF41"/>
       </a:accent6>
       <a:hlink>
-        <a:srgbClr val="0563C1"/>
+        <a:srgbClr val="4DD0E1"/>
       </a:hlink>
       <a:folHlink>
-        <a:srgbClr val="954F72"/>
+        <a:srgbClr val="4DD0E1"/>
       </a:folHlink>
     </a:clrScheme>
     <a:fontScheme name="Office">
